--- a/Docs/Projeto de software apresentação.pptx
+++ b/Docs/Projeto de software apresentação.pptx
@@ -6,19 +6,11 @@
   </p:sldMasterIdLst>
   <p:sldIdLst>
     <p:sldId id="279" r:id="rId2"/>
-    <p:sldId id="280" r:id="rId3"/>
-    <p:sldId id="281" r:id="rId4"/>
-    <p:sldId id="282" r:id="rId5"/>
-    <p:sldId id="283" r:id="rId6"/>
-    <p:sldId id="284" r:id="rId7"/>
-    <p:sldId id="285" r:id="rId8"/>
-    <p:sldId id="286" r:id="rId9"/>
-    <p:sldId id="287" r:id="rId10"/>
-    <p:sldId id="288" r:id="rId11"/>
-    <p:sldId id="289" r:id="rId12"/>
-    <p:sldId id="290" r:id="rId13"/>
-    <p:sldId id="291" r:id="rId14"/>
-    <p:sldId id="292" r:id="rId15"/>
+    <p:sldId id="295" r:id="rId3"/>
+    <p:sldId id="296" r:id="rId4"/>
+    <p:sldId id="292" r:id="rId5"/>
+    <p:sldId id="293" r:id="rId6"/>
+    <p:sldId id="294" r:id="rId7"/>
   </p:sldIdLst>
   <p:sldSz cx="9144000" cy="6858000" type="screen4x3"/>
   <p:notesSz cx="6858000" cy="9144000"/>
@@ -166,6 +158,10 @@
 </p:presentation>
 </file>
 
+<file path=ppt/revisionInfo.xml><?xml version="1.0" encoding="utf-8"?>
+<p1510:revInfo xmlns:a="http://schemas.openxmlformats.org/drawingml/2006/main" xmlns:r="http://schemas.openxmlformats.org/officeDocument/2006/relationships" xmlns:p1510="http://schemas.microsoft.com/office/powerpoint/2015/10/main"/>
+</file>
+
 <file path=ppt/slideLayouts/slideLayout1.xml><?xml version="1.0" encoding="utf-8"?>
 <p:sldLayout xmlns:a="http://schemas.openxmlformats.org/drawingml/2006/main" xmlns:r="http://schemas.openxmlformats.org/officeDocument/2006/relationships" xmlns:p="http://schemas.openxmlformats.org/presentationml/2006/main" type="title" preserve="1">
   <p:cSld name="Slide de título">
@@ -208,10 +204,9 @@
           </a:lstStyle>
           <a:p>
             <a:r>
-              <a:rPr lang="pt-BR" smtClean="0"/>
+              <a:rPr lang="pt-BR"/>
               <a:t>Clique para editar o título mestre</a:t>
             </a:r>
-            <a:endParaRPr lang="pt-BR"/>
           </a:p>
         </p:txBody>
       </p:sp>
@@ -273,10 +268,9 @@
           </a:lstStyle>
           <a:p>
             <a:r>
-              <a:rPr lang="pt-BR" smtClean="0"/>
+              <a:rPr lang="pt-BR"/>
               <a:t>Clique para editar o estilo do subtítulo mestre</a:t>
             </a:r>
-            <a:endParaRPr lang="pt-BR"/>
           </a:p>
         </p:txBody>
       </p:sp>
@@ -417,10 +411,9 @@
           <a:lstStyle/>
           <a:p>
             <a:r>
-              <a:rPr lang="pt-BR" smtClean="0"/>
+              <a:rPr lang="pt-BR"/>
               <a:t>Clique para editar o título mestre</a:t>
             </a:r>
-            <a:endParaRPr lang="pt-BR"/>
           </a:p>
         </p:txBody>
       </p:sp>
@@ -441,38 +434,37 @@
           <a:p>
             <a:pPr lvl="0"/>
             <a:r>
-              <a:rPr lang="pt-BR" smtClean="0"/>
+              <a:rPr lang="pt-BR"/>
               <a:t>Clique para editar o texto mestre</a:t>
             </a:r>
           </a:p>
           <a:p>
             <a:pPr lvl="1"/>
             <a:r>
-              <a:rPr lang="pt-BR" smtClean="0"/>
+              <a:rPr lang="pt-BR"/>
               <a:t>Segundo nível</a:t>
             </a:r>
           </a:p>
           <a:p>
             <a:pPr lvl="2"/>
             <a:r>
-              <a:rPr lang="pt-BR" smtClean="0"/>
+              <a:rPr lang="pt-BR"/>
               <a:t>Terceiro nível</a:t>
             </a:r>
           </a:p>
           <a:p>
             <a:pPr lvl="3"/>
             <a:r>
-              <a:rPr lang="pt-BR" smtClean="0"/>
+              <a:rPr lang="pt-BR"/>
               <a:t>Quarto nível</a:t>
             </a:r>
           </a:p>
           <a:p>
             <a:pPr lvl="4"/>
             <a:r>
-              <a:rPr lang="pt-BR" smtClean="0"/>
+              <a:rPr lang="pt-BR"/>
               <a:t>Quinto nível</a:t>
             </a:r>
-            <a:endParaRPr lang="pt-BR"/>
           </a:p>
         </p:txBody>
       </p:sp>
@@ -618,10 +610,9 @@
           <a:lstStyle/>
           <a:p>
             <a:r>
-              <a:rPr lang="pt-BR" smtClean="0"/>
+              <a:rPr lang="pt-BR"/>
               <a:t>Clique para editar o título mestre</a:t>
             </a:r>
-            <a:endParaRPr lang="pt-BR"/>
           </a:p>
         </p:txBody>
       </p:sp>
@@ -647,38 +638,37 @@
           <a:p>
             <a:pPr lvl="0"/>
             <a:r>
-              <a:rPr lang="pt-BR" smtClean="0"/>
+              <a:rPr lang="pt-BR"/>
               <a:t>Clique para editar o texto mestre</a:t>
             </a:r>
           </a:p>
           <a:p>
             <a:pPr lvl="1"/>
             <a:r>
-              <a:rPr lang="pt-BR" smtClean="0"/>
+              <a:rPr lang="pt-BR"/>
               <a:t>Segundo nível</a:t>
             </a:r>
           </a:p>
           <a:p>
             <a:pPr lvl="2"/>
             <a:r>
-              <a:rPr lang="pt-BR" smtClean="0"/>
+              <a:rPr lang="pt-BR"/>
               <a:t>Terceiro nível</a:t>
             </a:r>
           </a:p>
           <a:p>
             <a:pPr lvl="3"/>
             <a:r>
-              <a:rPr lang="pt-BR" smtClean="0"/>
+              <a:rPr lang="pt-BR"/>
               <a:t>Quarto nível</a:t>
             </a:r>
           </a:p>
           <a:p>
             <a:pPr lvl="4"/>
             <a:r>
-              <a:rPr lang="pt-BR" smtClean="0"/>
+              <a:rPr lang="pt-BR"/>
               <a:t>Quinto nível</a:t>
             </a:r>
-            <a:endParaRPr lang="pt-BR"/>
           </a:p>
         </p:txBody>
       </p:sp>
@@ -819,10 +809,9 @@
           <a:lstStyle/>
           <a:p>
             <a:r>
-              <a:rPr lang="pt-BR" smtClean="0"/>
+              <a:rPr lang="pt-BR"/>
               <a:t>Clique para editar o título mestre</a:t>
             </a:r>
-            <a:endParaRPr lang="pt-BR"/>
           </a:p>
         </p:txBody>
       </p:sp>
@@ -843,38 +832,37 @@
           <a:p>
             <a:pPr lvl="0"/>
             <a:r>
-              <a:rPr lang="pt-BR" smtClean="0"/>
+              <a:rPr lang="pt-BR"/>
               <a:t>Clique para editar o texto mestre</a:t>
             </a:r>
           </a:p>
           <a:p>
             <a:pPr lvl="1"/>
             <a:r>
-              <a:rPr lang="pt-BR" smtClean="0"/>
+              <a:rPr lang="pt-BR"/>
               <a:t>Segundo nível</a:t>
             </a:r>
           </a:p>
           <a:p>
             <a:pPr lvl="2"/>
             <a:r>
-              <a:rPr lang="pt-BR" smtClean="0"/>
+              <a:rPr lang="pt-BR"/>
               <a:t>Terceiro nível</a:t>
             </a:r>
           </a:p>
           <a:p>
             <a:pPr lvl="3"/>
             <a:r>
-              <a:rPr lang="pt-BR" smtClean="0"/>
+              <a:rPr lang="pt-BR"/>
               <a:t>Quarto nível</a:t>
             </a:r>
           </a:p>
           <a:p>
             <a:pPr lvl="4"/>
             <a:r>
-              <a:rPr lang="pt-BR" smtClean="0"/>
+              <a:rPr lang="pt-BR"/>
               <a:t>Quinto nível</a:t>
             </a:r>
-            <a:endParaRPr lang="pt-BR"/>
           </a:p>
         </p:txBody>
       </p:sp>
@@ -1024,10 +1012,9 @@
           </a:lstStyle>
           <a:p>
             <a:r>
-              <a:rPr lang="pt-BR" smtClean="0"/>
+              <a:rPr lang="pt-BR"/>
               <a:t>Clique para editar o título mestre</a:t>
             </a:r>
-            <a:endParaRPr lang="pt-BR"/>
           </a:p>
         </p:txBody>
       </p:sp>
@@ -1090,7 +1077,7 @@
           <a:p>
             <a:pPr lvl="0"/>
             <a:r>
-              <a:rPr lang="pt-BR" smtClean="0"/>
+              <a:rPr lang="pt-BR"/>
               <a:t>Clique para editar o texto mestre</a:t>
             </a:r>
           </a:p>
@@ -1233,10 +1220,9 @@
           <a:lstStyle/>
           <a:p>
             <a:r>
-              <a:rPr lang="pt-BR" smtClean="0"/>
+              <a:rPr lang="pt-BR"/>
               <a:t>Clique para editar o título mestre</a:t>
             </a:r>
-            <a:endParaRPr lang="pt-BR"/>
           </a:p>
         </p:txBody>
       </p:sp>
@@ -1262,38 +1248,37 @@
           <a:p>
             <a:pPr lvl="0"/>
             <a:r>
-              <a:rPr lang="pt-BR" smtClean="0"/>
+              <a:rPr lang="pt-BR"/>
               <a:t>Clique para editar o texto mestre</a:t>
             </a:r>
           </a:p>
           <a:p>
             <a:pPr lvl="1"/>
             <a:r>
-              <a:rPr lang="pt-BR" smtClean="0"/>
+              <a:rPr lang="pt-BR"/>
               <a:t>Segundo nível</a:t>
             </a:r>
           </a:p>
           <a:p>
             <a:pPr lvl="2"/>
             <a:r>
-              <a:rPr lang="pt-BR" smtClean="0"/>
+              <a:rPr lang="pt-BR"/>
               <a:t>Terceiro nível</a:t>
             </a:r>
           </a:p>
           <a:p>
             <a:pPr lvl="3"/>
             <a:r>
-              <a:rPr lang="pt-BR" smtClean="0"/>
+              <a:rPr lang="pt-BR"/>
               <a:t>Quarto nível</a:t>
             </a:r>
           </a:p>
           <a:p>
             <a:pPr lvl="4"/>
             <a:r>
-              <a:rPr lang="pt-BR" smtClean="0"/>
+              <a:rPr lang="pt-BR"/>
               <a:t>Quinto nível</a:t>
             </a:r>
-            <a:endParaRPr lang="pt-BR"/>
           </a:p>
         </p:txBody>
       </p:sp>
@@ -1319,38 +1304,37 @@
           <a:p>
             <a:pPr lvl="0"/>
             <a:r>
-              <a:rPr lang="pt-BR" smtClean="0"/>
+              <a:rPr lang="pt-BR"/>
               <a:t>Clique para editar o texto mestre</a:t>
             </a:r>
           </a:p>
           <a:p>
             <a:pPr lvl="1"/>
             <a:r>
-              <a:rPr lang="pt-BR" smtClean="0"/>
+              <a:rPr lang="pt-BR"/>
               <a:t>Segundo nível</a:t>
             </a:r>
           </a:p>
           <a:p>
             <a:pPr lvl="2"/>
             <a:r>
-              <a:rPr lang="pt-BR" smtClean="0"/>
+              <a:rPr lang="pt-BR"/>
               <a:t>Terceiro nível</a:t>
             </a:r>
           </a:p>
           <a:p>
             <a:pPr lvl="3"/>
             <a:r>
-              <a:rPr lang="pt-BR" smtClean="0"/>
+              <a:rPr lang="pt-BR"/>
               <a:t>Quarto nível</a:t>
             </a:r>
           </a:p>
           <a:p>
             <a:pPr lvl="4"/>
             <a:r>
-              <a:rPr lang="pt-BR" smtClean="0"/>
+              <a:rPr lang="pt-BR"/>
               <a:t>Quinto nível</a:t>
             </a:r>
-            <a:endParaRPr lang="pt-BR"/>
           </a:p>
         </p:txBody>
       </p:sp>
@@ -1496,10 +1480,9 @@
           <a:lstStyle/>
           <a:p>
             <a:r>
-              <a:rPr lang="pt-BR" smtClean="0"/>
+              <a:rPr lang="pt-BR"/>
               <a:t>Clique para editar o título mestre</a:t>
             </a:r>
-            <a:endParaRPr lang="pt-BR"/>
           </a:p>
         </p:txBody>
       </p:sp>
@@ -1562,7 +1545,7 @@
           <a:p>
             <a:pPr lvl="0"/>
             <a:r>
-              <a:rPr lang="pt-BR" smtClean="0"/>
+              <a:rPr lang="pt-BR"/>
               <a:t>Clique para editar o texto mestre</a:t>
             </a:r>
           </a:p>
@@ -1590,38 +1573,37 @@
           <a:p>
             <a:pPr lvl="0"/>
             <a:r>
-              <a:rPr lang="pt-BR" smtClean="0"/>
+              <a:rPr lang="pt-BR"/>
               <a:t>Clique para editar o texto mestre</a:t>
             </a:r>
           </a:p>
           <a:p>
             <a:pPr lvl="1"/>
             <a:r>
-              <a:rPr lang="pt-BR" smtClean="0"/>
+              <a:rPr lang="pt-BR"/>
               <a:t>Segundo nível</a:t>
             </a:r>
           </a:p>
           <a:p>
             <a:pPr lvl="2"/>
             <a:r>
-              <a:rPr lang="pt-BR" smtClean="0"/>
+              <a:rPr lang="pt-BR"/>
               <a:t>Terceiro nível</a:t>
             </a:r>
           </a:p>
           <a:p>
             <a:pPr lvl="3"/>
             <a:r>
-              <a:rPr lang="pt-BR" smtClean="0"/>
+              <a:rPr lang="pt-BR"/>
               <a:t>Quarto nível</a:t>
             </a:r>
           </a:p>
           <a:p>
             <a:pPr lvl="4"/>
             <a:r>
-              <a:rPr lang="pt-BR" smtClean="0"/>
+              <a:rPr lang="pt-BR"/>
               <a:t>Quinto nível</a:t>
             </a:r>
-            <a:endParaRPr lang="pt-BR"/>
           </a:p>
         </p:txBody>
       </p:sp>
@@ -1684,7 +1666,7 @@
           <a:p>
             <a:pPr lvl="0"/>
             <a:r>
-              <a:rPr lang="pt-BR" smtClean="0"/>
+              <a:rPr lang="pt-BR"/>
               <a:t>Clique para editar o texto mestre</a:t>
             </a:r>
           </a:p>
@@ -1712,38 +1694,37 @@
           <a:p>
             <a:pPr lvl="0"/>
             <a:r>
-              <a:rPr lang="pt-BR" smtClean="0"/>
+              <a:rPr lang="pt-BR"/>
               <a:t>Clique para editar o texto mestre</a:t>
             </a:r>
           </a:p>
           <a:p>
             <a:pPr lvl="1"/>
             <a:r>
-              <a:rPr lang="pt-BR" smtClean="0"/>
+              <a:rPr lang="pt-BR"/>
               <a:t>Segundo nível</a:t>
             </a:r>
           </a:p>
           <a:p>
             <a:pPr lvl="2"/>
             <a:r>
-              <a:rPr lang="pt-BR" smtClean="0"/>
+              <a:rPr lang="pt-BR"/>
               <a:t>Terceiro nível</a:t>
             </a:r>
           </a:p>
           <a:p>
             <a:pPr lvl="3"/>
             <a:r>
-              <a:rPr lang="pt-BR" smtClean="0"/>
+              <a:rPr lang="pt-BR"/>
               <a:t>Quarto nível</a:t>
             </a:r>
           </a:p>
           <a:p>
             <a:pPr lvl="4"/>
             <a:r>
-              <a:rPr lang="pt-BR" smtClean="0"/>
+              <a:rPr lang="pt-BR"/>
               <a:t>Quinto nível</a:t>
             </a:r>
-            <a:endParaRPr lang="pt-BR"/>
           </a:p>
         </p:txBody>
       </p:sp>
@@ -1884,10 +1865,9 @@
           <a:lstStyle/>
           <a:p>
             <a:r>
-              <a:rPr lang="pt-BR" smtClean="0"/>
+              <a:rPr lang="pt-BR"/>
               <a:t>Clique para editar o título mestre</a:t>
             </a:r>
-            <a:endParaRPr lang="pt-BR"/>
           </a:p>
         </p:txBody>
       </p:sp>
@@ -2158,10 +2138,9 @@
           </a:lstStyle>
           <a:p>
             <a:r>
-              <a:rPr lang="pt-BR" smtClean="0"/>
+              <a:rPr lang="pt-BR"/>
               <a:t>Clique para editar o título mestre</a:t>
             </a:r>
-            <a:endParaRPr lang="pt-BR"/>
           </a:p>
         </p:txBody>
       </p:sp>
@@ -2215,38 +2194,37 @@
           <a:p>
             <a:pPr lvl="0"/>
             <a:r>
-              <a:rPr lang="pt-BR" smtClean="0"/>
+              <a:rPr lang="pt-BR"/>
               <a:t>Clique para editar o texto mestre</a:t>
             </a:r>
           </a:p>
           <a:p>
             <a:pPr lvl="1"/>
             <a:r>
-              <a:rPr lang="pt-BR" smtClean="0"/>
+              <a:rPr lang="pt-BR"/>
               <a:t>Segundo nível</a:t>
             </a:r>
           </a:p>
           <a:p>
             <a:pPr lvl="2"/>
             <a:r>
-              <a:rPr lang="pt-BR" smtClean="0"/>
+              <a:rPr lang="pt-BR"/>
               <a:t>Terceiro nível</a:t>
             </a:r>
           </a:p>
           <a:p>
             <a:pPr lvl="3"/>
             <a:r>
-              <a:rPr lang="pt-BR" smtClean="0"/>
+              <a:rPr lang="pt-BR"/>
               <a:t>Quarto nível</a:t>
             </a:r>
           </a:p>
           <a:p>
             <a:pPr lvl="4"/>
             <a:r>
-              <a:rPr lang="pt-BR" smtClean="0"/>
+              <a:rPr lang="pt-BR"/>
               <a:t>Quinto nível</a:t>
             </a:r>
-            <a:endParaRPr lang="pt-BR"/>
           </a:p>
         </p:txBody>
       </p:sp>
@@ -2309,7 +2287,7 @@
           <a:p>
             <a:pPr lvl="0"/>
             <a:r>
-              <a:rPr lang="pt-BR" smtClean="0"/>
+              <a:rPr lang="pt-BR"/>
               <a:t>Clique para editar o texto mestre</a:t>
             </a:r>
           </a:p>
@@ -2461,10 +2439,9 @@
           </a:lstStyle>
           <a:p>
             <a:r>
-              <a:rPr lang="pt-BR" smtClean="0"/>
+              <a:rPr lang="pt-BR"/>
               <a:t>Clique para editar o título mestre</a:t>
             </a:r>
-            <a:endParaRPr lang="pt-BR"/>
           </a:p>
         </p:txBody>
       </p:sp>
@@ -2526,7 +2503,7 @@
           </a:lstStyle>
           <a:p>
             <a:pPr lvl="0"/>
-            <a:endParaRPr lang="pt-BR" noProof="0" smtClean="0"/>
+            <a:endParaRPr lang="pt-BR" noProof="0"/>
           </a:p>
         </p:txBody>
       </p:sp>
@@ -2589,7 +2566,7 @@
           <a:p>
             <a:pPr lvl="0"/>
             <a:r>
-              <a:rPr lang="pt-BR" smtClean="0"/>
+              <a:rPr lang="pt-BR"/>
               <a:t>Clique para editar o texto mestre</a:t>
             </a:r>
           </a:p>
@@ -2790,7 +2767,7 @@
           <a:p>
             <a:pPr lvl="0"/>
             <a:r>
-              <a:rPr lang="pt-BR" altLang="pt-BR" smtClean="0"/>
+              <a:rPr lang="pt-BR" altLang="pt-BR"/>
               <a:t>Clique para editar o estilo do título mestre</a:t>
             </a:r>
           </a:p>
@@ -2858,35 +2835,35 @@
           <a:p>
             <a:pPr lvl="0"/>
             <a:r>
-              <a:rPr lang="pt-BR" altLang="pt-BR" smtClean="0"/>
+              <a:rPr lang="pt-BR" altLang="pt-BR"/>
               <a:t>Clique para editar os estilos do texto mestre</a:t>
             </a:r>
           </a:p>
           <a:p>
             <a:pPr lvl="1"/>
             <a:r>
-              <a:rPr lang="pt-BR" altLang="pt-BR" smtClean="0"/>
+              <a:rPr lang="pt-BR" altLang="pt-BR"/>
               <a:t>Segundo nível</a:t>
             </a:r>
           </a:p>
           <a:p>
             <a:pPr lvl="2"/>
             <a:r>
-              <a:rPr lang="pt-BR" altLang="pt-BR" smtClean="0"/>
+              <a:rPr lang="pt-BR" altLang="pt-BR"/>
               <a:t>Terceiro nível</a:t>
             </a:r>
           </a:p>
           <a:p>
             <a:pPr lvl="3"/>
             <a:r>
-              <a:rPr lang="pt-BR" altLang="pt-BR" smtClean="0"/>
+              <a:rPr lang="pt-BR" altLang="pt-BR"/>
               <a:t>Quarto nível</a:t>
             </a:r>
           </a:p>
           <a:p>
             <a:pPr lvl="4"/>
             <a:r>
-              <a:rPr lang="pt-BR" altLang="pt-BR" smtClean="0"/>
+              <a:rPr lang="pt-BR" altLang="pt-BR"/>
               <a:t>Quinto nível</a:t>
             </a:r>
           </a:p>
@@ -3555,7 +3532,7 @@
           <a:lstStyle/>
           <a:p>
             <a:r>
-              <a:rPr lang="pt-BR" sz="8800" dirty="0" err="1" smtClean="0"/>
+              <a:rPr lang="pt-BR" sz="8800" dirty="0" err="1"/>
               <a:t>Limpaí</a:t>
             </a:r>
             <a:endParaRPr lang="pt-BR" sz="8800" dirty="0"/>
@@ -3583,33 +3560,32 @@
           <a:lstStyle/>
           <a:p>
             <a:r>
-              <a:rPr lang="pt-BR" sz="2800" dirty="0" smtClean="0"/>
+              <a:rPr lang="pt-BR" sz="2800" dirty="0"/>
               <a:t>Douglas Portugal</a:t>
             </a:r>
           </a:p>
           <a:p>
             <a:r>
-              <a:rPr lang="pt-BR" sz="2800" dirty="0" smtClean="0"/>
+              <a:rPr lang="pt-BR" sz="2800" dirty="0"/>
               <a:t>Gabriel Bento</a:t>
             </a:r>
           </a:p>
           <a:p>
             <a:r>
-              <a:rPr lang="pt-BR" sz="2800" dirty="0" smtClean="0"/>
+              <a:rPr lang="pt-BR" sz="2800" dirty="0"/>
               <a:t>Milena </a:t>
             </a:r>
             <a:r>
-              <a:rPr lang="pt-BR" sz="2800" dirty="0" err="1" smtClean="0"/>
+              <a:rPr lang="pt-BR" sz="2800" dirty="0" err="1"/>
               <a:t>Greuel</a:t>
             </a:r>
-            <a:endParaRPr lang="pt-BR" sz="2800" dirty="0" smtClean="0"/>
-          </a:p>
-          <a:p>
-            <a:r>
-              <a:rPr lang="pt-BR" sz="2800" dirty="0" smtClean="0"/>
+            <a:endParaRPr lang="pt-BR" sz="2800" dirty="0"/>
+          </a:p>
+          <a:p>
+            <a:r>
+              <a:rPr lang="pt-BR" sz="2800" dirty="0"/>
               <a:t>Rafael Rossi</a:t>
             </a:r>
-            <a:endParaRPr lang="pt-BR" sz="2800" dirty="0"/>
           </a:p>
         </p:txBody>
       </p:sp>
@@ -3617,496 +3593,6 @@
     <p:extLst>
       <p:ext uri="{BB962C8B-B14F-4D97-AF65-F5344CB8AC3E}">
         <p14:creationId xmlns:p14="http://schemas.microsoft.com/office/powerpoint/2010/main" val="3991920546"/>
-      </p:ext>
-    </p:extLst>
-  </p:cSld>
-  <p:clrMapOvr>
-    <a:masterClrMapping/>
-  </p:clrMapOvr>
-  <p:timing>
-    <p:tnLst>
-      <p:par>
-        <p:cTn id="1" dur="indefinite" restart="never" nodeType="tmRoot"/>
-      </p:par>
-    </p:tnLst>
-  </p:timing>
-</p:sld>
-</file>
-
-<file path=ppt/slides/slide10.xml><?xml version="1.0" encoding="utf-8"?>
-<p:sld xmlns:a="http://schemas.openxmlformats.org/drawingml/2006/main" xmlns:r="http://schemas.openxmlformats.org/officeDocument/2006/relationships" xmlns:p="http://schemas.openxmlformats.org/presentationml/2006/main">
-  <p:cSld>
-    <p:spTree>
-      <p:nvGrpSpPr>
-        <p:cNvPr id="1" name=""/>
-        <p:cNvGrpSpPr/>
-        <p:nvPr/>
-      </p:nvGrpSpPr>
-      <p:grpSpPr>
-        <a:xfrm>
-          <a:off x="0" y="0"/>
-          <a:ext cx="0" cy="0"/>
-          <a:chOff x="0" y="0"/>
-          <a:chExt cx="0" cy="0"/>
-        </a:xfrm>
-      </p:grpSpPr>
-      <p:sp>
-        <p:nvSpPr>
-          <p:cNvPr id="2" name="Título 1"/>
-          <p:cNvSpPr>
-            <a:spLocks noGrp="1"/>
-          </p:cNvSpPr>
-          <p:nvPr>
-            <p:ph type="title"/>
-          </p:nvPr>
-        </p:nvSpPr>
-        <p:spPr/>
-        <p:txBody>
-          <a:bodyPr/>
-          <a:lstStyle/>
-          <a:p>
-            <a:r>
-              <a:rPr lang="pt-BR" dirty="0" smtClean="0"/>
-              <a:t>Requisitos Funcionais</a:t>
-            </a:r>
-            <a:endParaRPr lang="pt-BR" dirty="0"/>
-          </a:p>
-        </p:txBody>
-      </p:sp>
-      <p:sp>
-        <p:nvSpPr>
-          <p:cNvPr id="3" name="Espaço Reservado para Conteúdo 2"/>
-          <p:cNvSpPr>
-            <a:spLocks noGrp="1"/>
-          </p:cNvSpPr>
-          <p:nvPr>
-            <p:ph idx="1"/>
-          </p:nvPr>
-        </p:nvSpPr>
-        <p:spPr/>
-        <p:txBody>
-          <a:bodyPr/>
-          <a:lstStyle/>
-          <a:p>
-            <a:r>
-              <a:rPr lang="pt-BR" dirty="0"/>
-              <a:t>O sistema deve permitir o cadastro de usuários </a:t>
-            </a:r>
-          </a:p>
-          <a:p>
-            <a:r>
-              <a:rPr lang="pt-BR" dirty="0"/>
-              <a:t>O sistema deve permitir o cadastro de diaristas </a:t>
-            </a:r>
-          </a:p>
-          <a:p>
-            <a:r>
-              <a:rPr lang="pt-BR" dirty="0"/>
-              <a:t>O sistema deve permitir a consulta de diaristas por região </a:t>
-            </a:r>
-          </a:p>
-          <a:p>
-            <a:r>
-              <a:rPr lang="pt-BR" dirty="0"/>
-              <a:t>O sistema deve permitir refinar a pesquisa por relevância </a:t>
-            </a:r>
-          </a:p>
-        </p:txBody>
-      </p:sp>
-    </p:spTree>
-    <p:extLst>
-      <p:ext uri="{BB962C8B-B14F-4D97-AF65-F5344CB8AC3E}">
-        <p14:creationId xmlns:p14="http://schemas.microsoft.com/office/powerpoint/2010/main" val="3977359312"/>
-      </p:ext>
-    </p:extLst>
-  </p:cSld>
-  <p:clrMapOvr>
-    <a:masterClrMapping/>
-  </p:clrMapOvr>
-</p:sld>
-</file>
-
-<file path=ppt/slides/slide11.xml><?xml version="1.0" encoding="utf-8"?>
-<p:sld xmlns:a="http://schemas.openxmlformats.org/drawingml/2006/main" xmlns:r="http://schemas.openxmlformats.org/officeDocument/2006/relationships" xmlns:p="http://schemas.openxmlformats.org/presentationml/2006/main">
-  <p:cSld>
-    <p:spTree>
-      <p:nvGrpSpPr>
-        <p:cNvPr id="1" name=""/>
-        <p:cNvGrpSpPr/>
-        <p:nvPr/>
-      </p:nvGrpSpPr>
-      <p:grpSpPr>
-        <a:xfrm>
-          <a:off x="0" y="0"/>
-          <a:ext cx="0" cy="0"/>
-          <a:chOff x="0" y="0"/>
-          <a:chExt cx="0" cy="0"/>
-        </a:xfrm>
-      </p:grpSpPr>
-      <p:sp>
-        <p:nvSpPr>
-          <p:cNvPr id="2" name="Título 1"/>
-          <p:cNvSpPr>
-            <a:spLocks noGrp="1"/>
-          </p:cNvSpPr>
-          <p:nvPr>
-            <p:ph type="title"/>
-          </p:nvPr>
-        </p:nvSpPr>
-        <p:spPr/>
-        <p:txBody>
-          <a:bodyPr/>
-          <a:lstStyle/>
-          <a:p>
-            <a:endParaRPr lang="pt-BR"/>
-          </a:p>
-        </p:txBody>
-      </p:sp>
-      <p:sp>
-        <p:nvSpPr>
-          <p:cNvPr id="3" name="Espaço Reservado para Conteúdo 2"/>
-          <p:cNvSpPr>
-            <a:spLocks noGrp="1"/>
-          </p:cNvSpPr>
-          <p:nvPr>
-            <p:ph idx="1"/>
-          </p:nvPr>
-        </p:nvSpPr>
-        <p:spPr/>
-        <p:txBody>
-          <a:bodyPr/>
-          <a:lstStyle/>
-          <a:p>
-            <a:r>
-              <a:rPr lang="pt-BR" dirty="0" smtClean="0"/>
-              <a:t>O </a:t>
-            </a:r>
-            <a:r>
-              <a:rPr lang="pt-BR" dirty="0"/>
-              <a:t>sistema deve permitir refinar a pesquisa por preço</a:t>
-            </a:r>
-          </a:p>
-          <a:p>
-            <a:r>
-              <a:rPr lang="pt-BR" dirty="0"/>
-              <a:t>O sistema deve permitir a consulta de diaristas por agenda</a:t>
-            </a:r>
-          </a:p>
-          <a:p>
-            <a:r>
-              <a:rPr lang="pt-BR" dirty="0"/>
-              <a:t>O sistema deve permitir o gerenciamento da agenda da diarista</a:t>
-            </a:r>
-          </a:p>
-          <a:p>
-            <a:r>
-              <a:rPr lang="pt-BR" dirty="0"/>
-              <a:t>O sistema deve permitir a diarista cadastrar os serviços </a:t>
-            </a:r>
-            <a:r>
-              <a:rPr lang="pt-BR" dirty="0" smtClean="0"/>
-              <a:t>prestados</a:t>
-            </a:r>
-            <a:endParaRPr lang="pt-BR" dirty="0"/>
-          </a:p>
-        </p:txBody>
-      </p:sp>
-    </p:spTree>
-    <p:extLst>
-      <p:ext uri="{BB962C8B-B14F-4D97-AF65-F5344CB8AC3E}">
-        <p14:creationId xmlns:p14="http://schemas.microsoft.com/office/powerpoint/2010/main" val="2345762844"/>
-      </p:ext>
-    </p:extLst>
-  </p:cSld>
-  <p:clrMapOvr>
-    <a:masterClrMapping/>
-  </p:clrMapOvr>
-</p:sld>
-</file>
-
-<file path=ppt/slides/slide12.xml><?xml version="1.0" encoding="utf-8"?>
-<p:sld xmlns:a="http://schemas.openxmlformats.org/drawingml/2006/main" xmlns:r="http://schemas.openxmlformats.org/officeDocument/2006/relationships" xmlns:p="http://schemas.openxmlformats.org/presentationml/2006/main">
-  <p:cSld>
-    <p:spTree>
-      <p:nvGrpSpPr>
-        <p:cNvPr id="1" name=""/>
-        <p:cNvGrpSpPr/>
-        <p:nvPr/>
-      </p:nvGrpSpPr>
-      <p:grpSpPr>
-        <a:xfrm>
-          <a:off x="0" y="0"/>
-          <a:ext cx="0" cy="0"/>
-          <a:chOff x="0" y="0"/>
-          <a:chExt cx="0" cy="0"/>
-        </a:xfrm>
-      </p:grpSpPr>
-      <p:sp>
-        <p:nvSpPr>
-          <p:cNvPr id="2" name="Título 1"/>
-          <p:cNvSpPr>
-            <a:spLocks noGrp="1"/>
-          </p:cNvSpPr>
-          <p:nvPr>
-            <p:ph type="title"/>
-          </p:nvPr>
-        </p:nvSpPr>
-        <p:spPr/>
-        <p:txBody>
-          <a:bodyPr/>
-          <a:lstStyle/>
-          <a:p>
-            <a:endParaRPr lang="pt-BR"/>
-          </a:p>
-        </p:txBody>
-      </p:sp>
-      <p:sp>
-        <p:nvSpPr>
-          <p:cNvPr id="3" name="Espaço Reservado para Conteúdo 2"/>
-          <p:cNvSpPr>
-            <a:spLocks noGrp="1"/>
-          </p:cNvSpPr>
-          <p:nvPr>
-            <p:ph idx="1"/>
-          </p:nvPr>
-        </p:nvSpPr>
-        <p:spPr/>
-        <p:txBody>
-          <a:bodyPr/>
-          <a:lstStyle/>
-          <a:p>
-            <a:r>
-              <a:rPr lang="pt-BR" dirty="0" smtClean="0"/>
-              <a:t>O </a:t>
-            </a:r>
-            <a:r>
-              <a:rPr lang="pt-BR" dirty="0"/>
-              <a:t>sistema deve permitir o usuário selecionar a diarista </a:t>
-            </a:r>
-          </a:p>
-          <a:p>
-            <a:r>
-              <a:rPr lang="pt-BR" dirty="0"/>
-              <a:t>O sistema deve permitir o usuário descrever o serviço solicitado </a:t>
-            </a:r>
-          </a:p>
-          <a:p>
-            <a:r>
-              <a:rPr lang="pt-BR" dirty="0"/>
-              <a:t>O sistema deve permitir a diarista aprovar ou não o serviço solicitado</a:t>
-            </a:r>
-          </a:p>
-          <a:p>
-            <a:r>
-              <a:rPr lang="pt-BR" dirty="0"/>
-              <a:t>O sistema deve permitir a diarista definir o preço pelo serviço </a:t>
-            </a:r>
-            <a:r>
-              <a:rPr lang="pt-BR" dirty="0" smtClean="0"/>
-              <a:t>solicitado</a:t>
-            </a:r>
-            <a:endParaRPr lang="pt-BR" dirty="0"/>
-          </a:p>
-        </p:txBody>
-      </p:sp>
-    </p:spTree>
-    <p:extLst>
-      <p:ext uri="{BB962C8B-B14F-4D97-AF65-F5344CB8AC3E}">
-        <p14:creationId xmlns:p14="http://schemas.microsoft.com/office/powerpoint/2010/main" val="1025416957"/>
-      </p:ext>
-    </p:extLst>
-  </p:cSld>
-  <p:clrMapOvr>
-    <a:masterClrMapping/>
-  </p:clrMapOvr>
-</p:sld>
-</file>
-
-<file path=ppt/slides/slide13.xml><?xml version="1.0" encoding="utf-8"?>
-<p:sld xmlns:a="http://schemas.openxmlformats.org/drawingml/2006/main" xmlns:r="http://schemas.openxmlformats.org/officeDocument/2006/relationships" xmlns:p="http://schemas.openxmlformats.org/presentationml/2006/main">
-  <p:cSld>
-    <p:spTree>
-      <p:nvGrpSpPr>
-        <p:cNvPr id="1" name=""/>
-        <p:cNvGrpSpPr/>
-        <p:nvPr/>
-      </p:nvGrpSpPr>
-      <p:grpSpPr>
-        <a:xfrm>
-          <a:off x="0" y="0"/>
-          <a:ext cx="0" cy="0"/>
-          <a:chOff x="0" y="0"/>
-          <a:chExt cx="0" cy="0"/>
-        </a:xfrm>
-      </p:grpSpPr>
-      <p:sp>
-        <p:nvSpPr>
-          <p:cNvPr id="2" name="Título 1"/>
-          <p:cNvSpPr>
-            <a:spLocks noGrp="1"/>
-          </p:cNvSpPr>
-          <p:nvPr>
-            <p:ph type="title"/>
-          </p:nvPr>
-        </p:nvSpPr>
-        <p:spPr/>
-        <p:txBody>
-          <a:bodyPr/>
-          <a:lstStyle/>
-          <a:p>
-            <a:endParaRPr lang="pt-BR"/>
-          </a:p>
-        </p:txBody>
-      </p:sp>
-      <p:sp>
-        <p:nvSpPr>
-          <p:cNvPr id="3" name="Espaço Reservado para Conteúdo 2"/>
-          <p:cNvSpPr>
-            <a:spLocks noGrp="1"/>
-          </p:cNvSpPr>
-          <p:nvPr>
-            <p:ph idx="1"/>
-          </p:nvPr>
-        </p:nvSpPr>
-        <p:spPr/>
-        <p:txBody>
-          <a:bodyPr/>
-          <a:lstStyle/>
-          <a:p>
-            <a:r>
-              <a:rPr lang="pt-BR" dirty="0" smtClean="0"/>
-              <a:t>O </a:t>
-            </a:r>
-            <a:r>
-              <a:rPr lang="pt-BR" dirty="0"/>
-              <a:t>sistema deve permitir que o usuário negocie o valor proposto </a:t>
-            </a:r>
-          </a:p>
-          <a:p>
-            <a:r>
-              <a:rPr lang="pt-BR" dirty="0"/>
-              <a:t>O sistema deve permitir avaliação da diarista após o serviço </a:t>
-            </a:r>
-          </a:p>
-          <a:p>
-            <a:r>
-              <a:rPr lang="pt-BR" dirty="0"/>
-              <a:t>O sistema deve gerenciar o pagamento entre o usuário e a diarista</a:t>
-            </a:r>
-          </a:p>
-          <a:p>
-            <a:endParaRPr lang="pt-BR" dirty="0"/>
-          </a:p>
-          <a:p>
-            <a:endParaRPr lang="pt-BR" dirty="0"/>
-          </a:p>
-          <a:p>
-            <a:endParaRPr lang="pt-BR" dirty="0"/>
-          </a:p>
-        </p:txBody>
-      </p:sp>
-    </p:spTree>
-    <p:extLst>
-      <p:ext uri="{BB962C8B-B14F-4D97-AF65-F5344CB8AC3E}">
-        <p14:creationId xmlns:p14="http://schemas.microsoft.com/office/powerpoint/2010/main" val="870848527"/>
-      </p:ext>
-    </p:extLst>
-  </p:cSld>
-  <p:clrMapOvr>
-    <a:masterClrMapping/>
-  </p:clrMapOvr>
-</p:sld>
-</file>
-
-<file path=ppt/slides/slide14.xml><?xml version="1.0" encoding="utf-8"?>
-<p:sld xmlns:a="http://schemas.openxmlformats.org/drawingml/2006/main" xmlns:r="http://schemas.openxmlformats.org/officeDocument/2006/relationships" xmlns:p="http://schemas.openxmlformats.org/presentationml/2006/main">
-  <p:cSld>
-    <p:spTree>
-      <p:nvGrpSpPr>
-        <p:cNvPr id="1" name=""/>
-        <p:cNvGrpSpPr/>
-        <p:nvPr/>
-      </p:nvGrpSpPr>
-      <p:grpSpPr>
-        <a:xfrm>
-          <a:off x="0" y="0"/>
-          <a:ext cx="0" cy="0"/>
-          <a:chOff x="0" y="0"/>
-          <a:chExt cx="0" cy="0"/>
-        </a:xfrm>
-      </p:grpSpPr>
-      <p:sp>
-        <p:nvSpPr>
-          <p:cNvPr id="2" name="Título 1"/>
-          <p:cNvSpPr>
-            <a:spLocks noGrp="1"/>
-          </p:cNvSpPr>
-          <p:nvPr>
-            <p:ph type="title"/>
-          </p:nvPr>
-        </p:nvSpPr>
-        <p:spPr/>
-        <p:txBody>
-          <a:bodyPr/>
-          <a:lstStyle/>
-          <a:p>
-            <a:r>
-              <a:rPr lang="pt-BR" sz="3600" dirty="0" smtClean="0"/>
-              <a:t>Requisitos Não </a:t>
-            </a:r>
-            <a:r>
-              <a:rPr lang="pt-BR" sz="3600" dirty="0"/>
-              <a:t>F</a:t>
-            </a:r>
-            <a:r>
-              <a:rPr lang="pt-BR" sz="3600" dirty="0" smtClean="0"/>
-              <a:t>uncionais</a:t>
-            </a:r>
-            <a:endParaRPr lang="pt-BR" sz="3600" dirty="0"/>
-          </a:p>
-        </p:txBody>
-      </p:sp>
-      <p:sp>
-        <p:nvSpPr>
-          <p:cNvPr id="3" name="Espaço Reservado para Conteúdo 2"/>
-          <p:cNvSpPr>
-            <a:spLocks noGrp="1"/>
-          </p:cNvSpPr>
-          <p:nvPr>
-            <p:ph idx="1"/>
-          </p:nvPr>
-        </p:nvSpPr>
-        <p:spPr/>
-        <p:txBody>
-          <a:bodyPr/>
-          <a:lstStyle/>
-          <a:p>
-            <a:r>
-              <a:rPr lang="pt-BR" dirty="0"/>
-              <a:t>O sistema deve ser web</a:t>
-            </a:r>
-          </a:p>
-          <a:p>
-            <a:r>
-              <a:rPr lang="pt-BR" dirty="0"/>
-              <a:t>As consultas de diaristas devem levar no máximo 5 segundos</a:t>
-            </a:r>
-          </a:p>
-          <a:p>
-            <a:r>
-              <a:rPr lang="pt-BR" dirty="0"/>
-              <a:t>O sistema deve estar disponível 99% ano </a:t>
-            </a:r>
-          </a:p>
-          <a:p>
-            <a:endParaRPr lang="pt-BR" dirty="0"/>
-          </a:p>
-        </p:txBody>
-      </p:sp>
-    </p:spTree>
-    <p:extLst>
-      <p:ext uri="{BB962C8B-B14F-4D97-AF65-F5344CB8AC3E}">
-        <p14:creationId xmlns:p14="http://schemas.microsoft.com/office/powerpoint/2010/main" val="433260567"/>
       </p:ext>
     </p:extLst>
   </p:cSld>
@@ -4135,11 +3621,42 @@
       </p:grpSpPr>
       <p:sp>
         <p:nvSpPr>
-          <p:cNvPr id="3" name="Espaço Reservado para Conteúdo 2"/>
+          <p:cNvPr id="2" name="Título 1">
+            <a:extLst>
+              <a:ext uri="{FF2B5EF4-FFF2-40B4-BE49-F238E27FC236}">
+                <a16:creationId xmlns:a16="http://schemas.microsoft.com/office/drawing/2014/main" id="{CCDD6B45-CFAE-4913-B0AA-36BEEA039225}"/>
+              </a:ext>
+            </a:extLst>
+          </p:cNvPr>
           <p:cNvSpPr>
             <a:spLocks noGrp="1"/>
           </p:cNvSpPr>
           <p:nvPr>
+            <p:ph type="title"/>
+          </p:nvPr>
+        </p:nvSpPr>
+        <p:spPr/>
+        <p:txBody>
+          <a:bodyPr/>
+          <a:lstStyle/>
+          <a:p>
+            <a:endParaRPr lang="pt-BR" dirty="0"/>
+          </a:p>
+        </p:txBody>
+      </p:sp>
+      <p:sp>
+        <p:nvSpPr>
+          <p:cNvPr id="3" name="Espaço Reservado para Conteúdo 2">
+            <a:extLst>
+              <a:ext uri="{FF2B5EF4-FFF2-40B4-BE49-F238E27FC236}">
+                <a16:creationId xmlns:a16="http://schemas.microsoft.com/office/drawing/2014/main" id="{A4807060-8104-421E-80C6-1CCEF10C57AE}"/>
+              </a:ext>
+            </a:extLst>
+          </p:cNvPr>
+          <p:cNvSpPr>
+            <a:spLocks noGrp="1"/>
+          </p:cNvSpPr>
+          <p:nvPr>
             <p:ph idx="1"/>
           </p:nvPr>
         </p:nvSpPr>
@@ -4148,49 +3665,33 @@
           <a:bodyPr/>
           <a:lstStyle/>
           <a:p>
-            <a:pPr marL="385763" indent="-385763">
-              <a:buAutoNum type="arabicPeriod"/>
-            </a:pPr>
-            <a:r>
-              <a:rPr lang="pt-BR" dirty="0" smtClean="0"/>
-              <a:t>Qual o problema a ser resolvido?</a:t>
-            </a:r>
-          </a:p>
-          <a:p>
-            <a:pPr marL="0" indent="0">
-              <a:buNone/>
-            </a:pPr>
-            <a:endParaRPr lang="pt-BR" dirty="0" smtClean="0"/>
-          </a:p>
-          <a:p>
-            <a:pPr marL="0" indent="0">
-              <a:buNone/>
-            </a:pPr>
-            <a:r>
-              <a:rPr lang="pt-BR" dirty="0" smtClean="0"/>
-              <a:t>Encontrar uma diarista que preste serviços de qualidade.</a:t>
-            </a:r>
-            <a:endParaRPr lang="pt-BR" dirty="0"/>
+            <a:pPr algn="ctr"/>
+            <a:endParaRPr lang="en-US" sz="5400" dirty="0"/>
+          </a:p>
+          <a:p>
+            <a:pPr algn="ctr"/>
+            <a:r>
+              <a:rPr lang="en-US" sz="5400" dirty="0" err="1"/>
+              <a:t>Benefíc</a:t>
+            </a:r>
+            <a:r>
+              <a:rPr lang="pt-BR" sz="5400" dirty="0" err="1"/>
+              <a:t>ios</a:t>
+            </a:r>
+            <a:endParaRPr lang="pt-BR" sz="5400" dirty="0"/>
           </a:p>
         </p:txBody>
       </p:sp>
     </p:spTree>
     <p:extLst>
       <p:ext uri="{BB962C8B-B14F-4D97-AF65-F5344CB8AC3E}">
-        <p14:creationId xmlns:p14="http://schemas.microsoft.com/office/powerpoint/2010/main" val="1320222854"/>
+        <p14:creationId xmlns:p14="http://schemas.microsoft.com/office/powerpoint/2010/main" val="1538998264"/>
       </p:ext>
     </p:extLst>
   </p:cSld>
   <p:clrMapOvr>
     <a:masterClrMapping/>
   </p:clrMapOvr>
-  <p:timing>
-    <p:tnLst>
-      <p:par>
-        <p:cTn id="1" dur="indefinite" restart="never" nodeType="tmRoot"/>
-      </p:par>
-    </p:tnLst>
-  </p:timing>
 </p:sld>
 </file>
 
@@ -4213,11 +3714,42 @@
       </p:grpSpPr>
       <p:sp>
         <p:nvSpPr>
-          <p:cNvPr id="3" name="Espaço Reservado para Conteúdo 2"/>
+          <p:cNvPr id="2" name="Título 1">
+            <a:extLst>
+              <a:ext uri="{FF2B5EF4-FFF2-40B4-BE49-F238E27FC236}">
+                <a16:creationId xmlns:a16="http://schemas.microsoft.com/office/drawing/2014/main" id="{28B8B80D-DF4C-4763-B3A1-6D2FD705727A}"/>
+              </a:ext>
+            </a:extLst>
+          </p:cNvPr>
           <p:cNvSpPr>
             <a:spLocks noGrp="1"/>
           </p:cNvSpPr>
           <p:nvPr>
+            <p:ph type="title"/>
+          </p:nvPr>
+        </p:nvSpPr>
+        <p:spPr/>
+        <p:txBody>
+          <a:bodyPr/>
+          <a:lstStyle/>
+          <a:p>
+            <a:endParaRPr lang="pt-BR"/>
+          </a:p>
+        </p:txBody>
+      </p:sp>
+      <p:sp>
+        <p:nvSpPr>
+          <p:cNvPr id="3" name="Espaço Reservado para Conteúdo 2">
+            <a:extLst>
+              <a:ext uri="{FF2B5EF4-FFF2-40B4-BE49-F238E27FC236}">
+                <a16:creationId xmlns:a16="http://schemas.microsoft.com/office/drawing/2014/main" id="{A10E79E9-EBB7-4FF6-A689-A12B433C6DCD}"/>
+              </a:ext>
+            </a:extLst>
+          </p:cNvPr>
+          <p:cNvSpPr>
+            <a:spLocks noGrp="1"/>
+          </p:cNvSpPr>
+          <p:nvPr>
             <p:ph idx="1"/>
           </p:nvPr>
         </p:nvSpPr>
@@ -4226,46 +3758,37 @@
           <a:bodyPr/>
           <a:lstStyle/>
           <a:p>
-            <a:pPr marL="0" indent="0">
-              <a:buNone/>
-            </a:pPr>
-            <a:r>
-              <a:rPr lang="pt-BR" dirty="0" smtClean="0"/>
-              <a:t>2. Qual é o publico alvo?</a:t>
-            </a:r>
-          </a:p>
-          <a:p>
-            <a:endParaRPr lang="pt-BR" dirty="0"/>
-          </a:p>
-          <a:p>
-            <a:pPr marL="0" indent="0">
-              <a:buNone/>
-            </a:pPr>
-            <a:r>
-              <a:rPr lang="pt-BR" dirty="0" smtClean="0"/>
-              <a:t>Qualquer pessoa que necessite de serviços de diaristas.</a:t>
-            </a:r>
-            <a:endParaRPr lang="pt-BR" dirty="0"/>
+            <a:pPr algn="ctr"/>
+            <a:endParaRPr lang="en-US" sz="5400" dirty="0"/>
+          </a:p>
+          <a:p>
+            <a:pPr algn="ctr"/>
+            <a:r>
+              <a:rPr lang="en-US" sz="5400" dirty="0"/>
+              <a:t>Como </a:t>
+            </a:r>
+            <a:r>
+              <a:rPr lang="en-US" sz="5400" dirty="0" err="1"/>
+              <a:t>funciona</a:t>
+            </a:r>
+            <a:r>
+              <a:rPr lang="en-US" sz="5400" dirty="0"/>
+              <a:t>?</a:t>
+            </a:r>
+            <a:endParaRPr lang="pt-BR" sz="5400" dirty="0"/>
           </a:p>
         </p:txBody>
       </p:sp>
     </p:spTree>
     <p:extLst>
       <p:ext uri="{BB962C8B-B14F-4D97-AF65-F5344CB8AC3E}">
-        <p14:creationId xmlns:p14="http://schemas.microsoft.com/office/powerpoint/2010/main" val="896210290"/>
+        <p14:creationId xmlns:p14="http://schemas.microsoft.com/office/powerpoint/2010/main" val="216386268"/>
       </p:ext>
     </p:extLst>
   </p:cSld>
   <p:clrMapOvr>
     <a:masterClrMapping/>
   </p:clrMapOvr>
-  <p:timing>
-    <p:tnLst>
-      <p:par>
-        <p:cTn id="1" dur="indefinite" restart="never" nodeType="tmRoot"/>
-      </p:par>
-    </p:tnLst>
-  </p:timing>
 </p:sld>
 </file>
 
@@ -4288,6 +3811,28 @@
       </p:grpSpPr>
       <p:sp>
         <p:nvSpPr>
+          <p:cNvPr id="2" name="Título 1"/>
+          <p:cNvSpPr>
+            <a:spLocks noGrp="1"/>
+          </p:cNvSpPr>
+          <p:nvPr>
+            <p:ph type="title"/>
+          </p:nvPr>
+        </p:nvSpPr>
+        <p:spPr/>
+        <p:txBody>
+          <a:bodyPr/>
+          <a:lstStyle/>
+          <a:p>
+            <a:r>
+              <a:rPr lang="pt-BR" sz="3600" dirty="0"/>
+              <a:t>   Requisitos funcionais retirados</a:t>
+            </a:r>
+          </a:p>
+        </p:txBody>
+      </p:sp>
+      <p:sp>
+        <p:nvSpPr>
           <p:cNvPr id="3" name="Espaço Reservado para Conteúdo 2"/>
           <p:cNvSpPr>
             <a:spLocks noGrp="1"/>
@@ -4301,55 +3846,87 @@
           <a:bodyPr/>
           <a:lstStyle/>
           <a:p>
+            <a:r>
+              <a:rPr lang="pt-BR" sz="1600" b="1" dirty="0"/>
+              <a:t>RF04</a:t>
+            </a:r>
+            <a:r>
+              <a:rPr lang="pt-BR" sz="1600" dirty="0"/>
+              <a:t> -​ ​ O​ ​ sistema​ deve​​ permitir​​ ​refinar​ ​a​ pesquisa por​ relevância; ​</a:t>
+            </a:r>
+          </a:p>
+          <a:p>
+            <a:r>
+              <a:rPr lang="pt-BR" sz="1600" dirty="0"/>
+              <a:t>Motivo: Não temos conhecimento suficiente para a implantação desse requisito.</a:t>
+            </a:r>
+          </a:p>
+          <a:p>
+            <a:r>
+              <a:rPr lang="pt-BR" sz="1600" b="1" dirty="0"/>
+              <a:t>RF05</a:t>
+            </a:r>
+            <a:r>
+              <a:rPr lang="pt-BR" sz="1600" dirty="0"/>
+              <a:t> -​ ​ O​ ​ sistema​ ​deve​ ​permitir​ ​refinar​ ​a​ ​pesquisa​ por​​ ​preço;</a:t>
+            </a:r>
+          </a:p>
+          <a:p>
+            <a:r>
+              <a:rPr lang="pt-BR" sz="1600" dirty="0"/>
+              <a:t>Motivo: Não temos conhecimento suficiente para a implantação desse requisito.</a:t>
+            </a:r>
+          </a:p>
+          <a:p>
+            <a:r>
+              <a:rPr lang="pt-BR" sz="1600" b="1" dirty="0"/>
+              <a:t>RF06</a:t>
+            </a:r>
+            <a:r>
+              <a:rPr lang="pt-BR" sz="1600" dirty="0"/>
+              <a:t> ​ -​ ​ O​ ​ sistema​ deve​ ​permitir a​ ​​consulta​ ​de​ ​diaristas​ ​por ​​agenda;</a:t>
+            </a:r>
+          </a:p>
+          <a:p>
+            <a:r>
+              <a:rPr lang="pt-BR" sz="1600" dirty="0"/>
+              <a:t>Motivo: Não temos conhecimento suficiente para a implantação desse requisito.</a:t>
+            </a:r>
+          </a:p>
+          <a:p>
+            <a:r>
+              <a:rPr lang="pt-BR" sz="1600" b="1" dirty="0"/>
+              <a:t>RF07</a:t>
+            </a:r>
+            <a:r>
+              <a:rPr lang="pt-BR" sz="1600" dirty="0"/>
+              <a:t> ​ -​ ​ O​ ​ sistema deve​​ ​permitir o​ ​​gerenciamento​ ​da​ ​agenda​ ​da ​​diarista;</a:t>
+            </a:r>
+          </a:p>
+          <a:p>
+            <a:r>
+              <a:rPr lang="pt-BR" sz="1600" dirty="0"/>
+              <a:t>Motivo: A criação de uma agenda e muito trabalhosa, portanto decidimos deixar de lado esse requisito, e deixar por conta da própria diarista administrar seu horário.</a:t>
+            </a:r>
+          </a:p>
+          <a:p>
             <a:pPr marL="0" indent="0">
               <a:buNone/>
             </a:pPr>
-            <a:r>
-              <a:rPr lang="pt-BR" dirty="0" smtClean="0"/>
-              <a:t>3. Uma breve descrição de como resolver o problema ?</a:t>
-            </a:r>
-          </a:p>
-          <a:p>
-            <a:pPr marL="0" indent="0">
-              <a:buNone/>
-            </a:pPr>
-            <a:endParaRPr lang="pt-BR" dirty="0"/>
-          </a:p>
-          <a:p>
-            <a:pPr marL="0" indent="0">
-              <a:buNone/>
-            </a:pPr>
-            <a:r>
-              <a:rPr lang="pt-BR" dirty="0" smtClean="0"/>
-              <a:t>Reunir em uma plataforma profissionais ranqueados e com amostras de seus trabalhos. </a:t>
-            </a:r>
-            <a:endParaRPr lang="pt-BR" dirty="0"/>
-          </a:p>
-          <a:p>
-            <a:pPr marL="0" indent="0">
-              <a:buNone/>
-            </a:pPr>
-            <a:endParaRPr lang="pt-BR" dirty="0"/>
+            <a:endParaRPr lang="pt-BR" sz="1600" dirty="0"/>
           </a:p>
         </p:txBody>
       </p:sp>
     </p:spTree>
     <p:extLst>
       <p:ext uri="{BB962C8B-B14F-4D97-AF65-F5344CB8AC3E}">
-        <p14:creationId xmlns:p14="http://schemas.microsoft.com/office/powerpoint/2010/main" val="3870302245"/>
+        <p14:creationId xmlns:p14="http://schemas.microsoft.com/office/powerpoint/2010/main" val="433260567"/>
       </p:ext>
     </p:extLst>
   </p:cSld>
   <p:clrMapOvr>
     <a:masterClrMapping/>
   </p:clrMapOvr>
-  <p:timing>
-    <p:tnLst>
-      <p:par>
-        <p:cTn id="1" dur="indefinite" restart="never" nodeType="tmRoot"/>
-      </p:par>
-    </p:tnLst>
-  </p:timing>
 </p:sld>
 </file>
 
@@ -4380,160 +3957,131 @@
             <p:ph idx="1"/>
           </p:nvPr>
         </p:nvSpPr>
-        <p:spPr>
-          <a:xfrm>
-            <a:off x="0" y="1268760"/>
-            <a:ext cx="9036496" cy="5328592"/>
-          </a:xfrm>
-        </p:spPr>
-        <p:txBody>
-          <a:bodyPr>
-            <a:normAutofit fontScale="85000" lnSpcReduction="20000"/>
-          </a:bodyPr>
+        <p:spPr/>
+        <p:txBody>
+          <a:bodyPr/>
           <a:lstStyle/>
           <a:p>
+            <a:r>
+              <a:rPr lang="pt-BR" sz="1600" b="1" dirty="0"/>
+              <a:t>RF09</a:t>
+            </a:r>
+            <a:r>
+              <a:rPr lang="pt-BR" sz="1600" dirty="0"/>
+              <a:t> ​ -​ ​ O​ ​ sistema​ deve​ permitir ​​o​ ​usuário ​selecionar a​​ diarista; ​</a:t>
+            </a:r>
+          </a:p>
+          <a:p>
             <a:pPr marL="0" indent="0">
               <a:buNone/>
             </a:pPr>
             <a:r>
-              <a:rPr lang="pt-BR" dirty="0" smtClean="0"/>
-              <a:t>4. Quais são os benefícios?</a:t>
-            </a:r>
-            <a:endParaRPr lang="pt-BR" dirty="0"/>
+              <a:rPr lang="pt-BR" sz="1600" dirty="0"/>
+              <a:t>Motivo: Decidimos modificar, a principal proposta da nossa aplicação, de início ela serviria para contração de diaristas, porém, agora ela serve para facilitar a busca de diaristas, portanto, não vimos necessidade da implantação desse requisito.</a:t>
+            </a:r>
+          </a:p>
+          <a:p>
+            <a:r>
+              <a:rPr lang="pt-BR" sz="1600" b="1" dirty="0"/>
+              <a:t>RF10</a:t>
+            </a:r>
+            <a:r>
+              <a:rPr lang="pt-BR" sz="1600" dirty="0"/>
+              <a:t>​ -​ ​ ​O​ ​sistema​ ​deve​ ​permitir​ o​ ​​usuário​ ​descrever​ ​o​ ​serviço ​​solicitado;</a:t>
+            </a:r>
           </a:p>
           <a:p>
             <a:pPr marL="0" indent="0">
               <a:buNone/>
             </a:pPr>
-            <a:endParaRPr lang="pt-BR" dirty="0" smtClean="0"/>
+            <a:r>
+              <a:rPr lang="pt-BR" sz="1600" dirty="0"/>
+              <a:t>Motivo: a explicação do motivo desse requisito e igual ao de número 09.</a:t>
+            </a:r>
+          </a:p>
+          <a:p>
+            <a:r>
+              <a:rPr lang="pt-BR" sz="1600" b="1" dirty="0"/>
+              <a:t>RF11</a:t>
+            </a:r>
+            <a:r>
+              <a:rPr lang="pt-BR" sz="1600" dirty="0"/>
+              <a:t>​ ​-​ ​O​ ​sistema​ ​deve​ ​permitir​ ​a​ ​diarista​ ​aprovar​ ​ou​ não​	 ​ ​o​ serviço​	 ​ ​solicitado;</a:t>
+            </a:r>
           </a:p>
           <a:p>
             <a:pPr marL="0" indent="0">
               <a:buNone/>
             </a:pPr>
             <a:r>
-              <a:rPr lang="pt-BR" dirty="0" smtClean="0"/>
-              <a:t>Contratante:</a:t>
-            </a:r>
-          </a:p>
-          <a:p>
-            <a:pPr>
-              <a:buFontTx/>
-              <a:buChar char="-"/>
+              <a:rPr lang="en-US" sz="1600" dirty="0"/>
+              <a:t>M</a:t>
+            </a:r>
+            <a:r>
+              <a:rPr lang="pt-BR" sz="1600" dirty="0" err="1"/>
+              <a:t>otivo</a:t>
+            </a:r>
+            <a:r>
+              <a:rPr lang="pt-BR" sz="1600" dirty="0"/>
+              <a:t>: a explicação do motivo desse requisito e igual ao de número 09.</a:t>
+            </a:r>
+          </a:p>
+          <a:p>
+            <a:r>
+              <a:rPr lang="pt-BR" sz="1600" b="1" dirty="0"/>
+              <a:t>RF13</a:t>
+            </a:r>
+            <a:r>
+              <a:rPr lang="pt-BR" sz="1600" dirty="0"/>
+              <a:t> ​ -​ ​ O​ ​ sistema​​ deve​​ ​permitir que o​​ ​usuário ​negocie o​ ​ valor​ proposto; ​</a:t>
+            </a:r>
+          </a:p>
+          <a:p>
+            <a:pPr marL="0" indent="0">
+              <a:buNone/>
             </a:pPr>
             <a:r>
-              <a:rPr lang="pt-BR" dirty="0" smtClean="0"/>
-              <a:t>Facilitar a busca de profissionais qualificados;</a:t>
-            </a:r>
-          </a:p>
-          <a:p>
-            <a:pPr>
-              <a:buFontTx/>
-              <a:buChar char="-"/>
-            </a:pPr>
-            <a:r>
-              <a:rPr lang="pt-BR" dirty="0" smtClean="0"/>
-              <a:t>Pagamento facilitado;</a:t>
-            </a:r>
-          </a:p>
-          <a:p>
-            <a:pPr>
-              <a:buFontTx/>
-              <a:buChar char="-"/>
-            </a:pPr>
-            <a:r>
-              <a:rPr lang="pt-BR" dirty="0" smtClean="0"/>
-              <a:t>Confiança;</a:t>
-            </a:r>
-          </a:p>
-          <a:p>
-            <a:pPr>
-              <a:buFontTx/>
-              <a:buChar char="-"/>
-            </a:pPr>
-            <a:r>
-              <a:rPr lang="pt-BR" dirty="0" smtClean="0"/>
-              <a:t>Flexibilidade;</a:t>
-            </a:r>
-          </a:p>
-          <a:p>
-            <a:pPr>
-              <a:buFontTx/>
-              <a:buChar char="-"/>
-            </a:pPr>
-            <a:endParaRPr lang="pt-BR" dirty="0" smtClean="0"/>
-          </a:p>
-          <a:p>
-            <a:pPr marL="0" indent="0">
-              <a:buNone/>
-            </a:pPr>
-            <a:r>
-              <a:rPr lang="pt-BR" dirty="0" smtClean="0"/>
-              <a:t>Contratado:</a:t>
-            </a:r>
-          </a:p>
-          <a:p>
-            <a:pPr>
-              <a:buFontTx/>
-              <a:buChar char="-"/>
-            </a:pPr>
-            <a:r>
-              <a:rPr lang="pt-BR" dirty="0" smtClean="0"/>
-              <a:t>Garantia de pagamento;</a:t>
-            </a:r>
-          </a:p>
-          <a:p>
-            <a:pPr>
-              <a:buFontTx/>
-              <a:buChar char="-"/>
-            </a:pPr>
-            <a:r>
-              <a:rPr lang="pt-BR" dirty="0" smtClean="0"/>
-              <a:t>Reconhecimento pelo bom trabalho;</a:t>
-            </a:r>
-          </a:p>
-          <a:p>
-            <a:pPr>
-              <a:buFontTx/>
-              <a:buChar char="-"/>
-            </a:pPr>
-            <a:r>
-              <a:rPr lang="pt-BR" dirty="0" smtClean="0"/>
-              <a:t>Gerenciamento de agenda;</a:t>
-            </a:r>
-          </a:p>
-          <a:p>
-            <a:pPr marL="0" indent="0">
-              <a:buNone/>
-            </a:pPr>
-            <a:endParaRPr lang="pt-BR" dirty="0" smtClean="0"/>
-          </a:p>
-          <a:p>
-            <a:pPr>
-              <a:buFontTx/>
-              <a:buChar char="-"/>
-            </a:pPr>
-            <a:endParaRPr lang="pt-BR" dirty="0"/>
+              <a:rPr lang="pt-BR" sz="1600" dirty="0"/>
+              <a:t>Motivo: Após analisarmos novamente esse requisito notamos que poderia ficar confuso, e até mesmo frustrante para quem está contratando um serviço, pois poderia demorar para receber uma resposta do trabalhador.</a:t>
+            </a:r>
+          </a:p>
+        </p:txBody>
+      </p:sp>
+      <p:sp>
+        <p:nvSpPr>
+          <p:cNvPr id="5" name="Título 4">
+            <a:extLst>
+              <a:ext uri="{FF2B5EF4-FFF2-40B4-BE49-F238E27FC236}">
+                <a16:creationId xmlns:a16="http://schemas.microsoft.com/office/drawing/2014/main" id="{33C8FABA-5E42-46D1-B3B0-687B4208906A}"/>
+              </a:ext>
+            </a:extLst>
+          </p:cNvPr>
+          <p:cNvSpPr>
+            <a:spLocks noGrp="1"/>
+          </p:cNvSpPr>
+          <p:nvPr>
+            <p:ph type="title"/>
+          </p:nvPr>
+        </p:nvSpPr>
+        <p:spPr/>
+        <p:txBody>
+          <a:bodyPr/>
+          <a:lstStyle/>
+          <a:p>
+            <a:endParaRPr lang="pt-BR"/>
           </a:p>
         </p:txBody>
       </p:sp>
     </p:spTree>
     <p:extLst>
       <p:ext uri="{BB962C8B-B14F-4D97-AF65-F5344CB8AC3E}">
-        <p14:creationId xmlns:p14="http://schemas.microsoft.com/office/powerpoint/2010/main" val="2686659794"/>
+        <p14:creationId xmlns:p14="http://schemas.microsoft.com/office/powerpoint/2010/main" val="4022399268"/>
       </p:ext>
     </p:extLst>
   </p:cSld>
   <p:clrMapOvr>
     <a:masterClrMapping/>
   </p:clrMapOvr>
-  <p:timing>
-    <p:tnLst>
-      <p:par>
-        <p:cTn id="1" dur="indefinite" restart="never" nodeType="tmRoot"/>
-      </p:par>
-    </p:tnLst>
-  </p:timing>
 </p:sld>
 </file>
 
@@ -4566,453 +4114,106 @@
         </p:nvSpPr>
         <p:spPr/>
         <p:txBody>
-          <a:bodyPr>
-            <a:normAutofit/>
-          </a:bodyPr>
+          <a:bodyPr/>
           <a:lstStyle/>
           <a:p>
+            <a:r>
+              <a:rPr lang="pt-BR" sz="1600" b="1" dirty="0"/>
+              <a:t>RF13</a:t>
+            </a:r>
+            <a:r>
+              <a:rPr lang="pt-BR" sz="1600" dirty="0"/>
+              <a:t> ​ -​ ​ O​ ​ sistema​ deve​ permitir que​ o​​ ​usuário ​negocie o​ ​ valor​ proposto; ​</a:t>
+            </a:r>
+          </a:p>
+          <a:p>
             <a:pPr marL="0" indent="0">
               <a:buNone/>
             </a:pPr>
             <a:r>
-              <a:rPr lang="pt-BR" dirty="0" smtClean="0"/>
-              <a:t>5. Como o produto poderá ser adquirido?</a:t>
+              <a:rPr lang="pt-BR" sz="1600" dirty="0"/>
+              <a:t>Motivo: Após analisarmos novamente esse requisito notamos que poderia ficar confuso, e até mesmo frustrante para quem está contratando um serviço, pois poderia demorar para receber uma resposta do trabalhador.</a:t>
+            </a:r>
+            <a:endParaRPr lang="pt-BR" sz="1600" b="1" dirty="0"/>
+          </a:p>
+          <a:p>
+            <a:r>
+              <a:rPr lang="pt-BR" sz="1600" b="1" dirty="0"/>
+              <a:t>RF14</a:t>
+            </a:r>
+            <a:r>
+              <a:rPr lang="pt-BR" sz="1600" dirty="0"/>
+              <a:t> ​ -​ ​ ​O ​ sistema deve​ ​​permitir​ ​avaliação​ ​da ​​diarista​ ​após ​ ​o ​ ​serviço;</a:t>
             </a:r>
           </a:p>
           <a:p>
             <a:pPr marL="0" indent="0">
               <a:buNone/>
             </a:pPr>
-            <a:endParaRPr lang="pt-BR" dirty="0"/>
+            <a:r>
+              <a:rPr lang="pt-BR" sz="1600" dirty="0"/>
+              <a:t>Motivo: Decidimos retirar essa funcionalidade pois não agregaria muito para o nosso projeto, apenas o atrasando.</a:t>
+            </a:r>
+          </a:p>
+          <a:p>
+            <a:r>
+              <a:rPr lang="pt-BR" sz="1600" b="1" dirty="0"/>
+              <a:t>RF15</a:t>
+            </a:r>
+            <a:r>
+              <a:rPr lang="pt-BR" sz="1600" dirty="0"/>
+              <a:t> ​ -​ ​ O​ ​ sistema​ ​ ​deve gerenciar​​ o​ pagamento​ ​entre​ o​​ usuário​ ​e​ ​a​ ​diarista;</a:t>
+            </a:r>
           </a:p>
           <a:p>
             <a:pPr marL="0" indent="0">
               <a:buNone/>
             </a:pPr>
             <a:r>
-              <a:rPr lang="pt-BR" dirty="0" smtClean="0"/>
-              <a:t>Plataforma web.</a:t>
-            </a:r>
-          </a:p>
-          <a:p>
-            <a:pPr marL="0" indent="0">
-              <a:buNone/>
-            </a:pPr>
-            <a:endParaRPr lang="pt-BR" dirty="0"/>
-          </a:p>
-          <a:p>
-            <a:pPr marL="0" indent="0">
-              <a:buNone/>
-            </a:pPr>
-            <a:endParaRPr lang="pt-BR" dirty="0" smtClean="0"/>
-          </a:p>
-          <a:p>
-            <a:pPr>
-              <a:buFontTx/>
-              <a:buChar char="-"/>
-            </a:pPr>
-            <a:endParaRPr lang="pt-BR" dirty="0"/>
+              <a:rPr lang="pt-BR" sz="1600" dirty="0"/>
+              <a:t>Motivo: A criação de uma plataforma de pagamento online, e demorada e trabalhosa, e pode acabar gerando mais problemas, portanto decidimos que o pagamento será feito in loco, diretamente com a diarista.</a:t>
+            </a:r>
+          </a:p>
+          <a:p>
+            <a:endParaRPr lang="pt-BR" sz="1600" dirty="0"/>
+          </a:p>
+        </p:txBody>
+      </p:sp>
+      <p:sp>
+        <p:nvSpPr>
+          <p:cNvPr id="5" name="Título 4">
+            <a:extLst>
+              <a:ext uri="{FF2B5EF4-FFF2-40B4-BE49-F238E27FC236}">
+                <a16:creationId xmlns:a16="http://schemas.microsoft.com/office/drawing/2014/main" id="{174CC966-ABBB-4D0A-A13D-F4EA28A71503}"/>
+              </a:ext>
+            </a:extLst>
+          </p:cNvPr>
+          <p:cNvSpPr>
+            <a:spLocks noGrp="1"/>
+          </p:cNvSpPr>
+          <p:nvPr>
+            <p:ph type="title"/>
+          </p:nvPr>
+        </p:nvSpPr>
+        <p:spPr/>
+        <p:txBody>
+          <a:bodyPr/>
+          <a:lstStyle/>
+          <a:p>
+            <a:endParaRPr lang="pt-BR"/>
           </a:p>
         </p:txBody>
       </p:sp>
     </p:spTree>
     <p:extLst>
       <p:ext uri="{BB962C8B-B14F-4D97-AF65-F5344CB8AC3E}">
-        <p14:creationId xmlns:p14="http://schemas.microsoft.com/office/powerpoint/2010/main" val="4155860739"/>
+        <p14:creationId xmlns:p14="http://schemas.microsoft.com/office/powerpoint/2010/main" val="161500458"/>
       </p:ext>
     </p:extLst>
   </p:cSld>
   <p:clrMapOvr>
     <a:masterClrMapping/>
   </p:clrMapOvr>
-  <p:timing>
-    <p:tnLst>
-      <p:par>
-        <p:cTn id="1" dur="indefinite" restart="never" nodeType="tmRoot"/>
-      </p:par>
-    </p:tnLst>
-  </p:timing>
-</p:sld>
-</file>
-
-<file path=ppt/slides/slide7.xml><?xml version="1.0" encoding="utf-8"?>
-<p:sld xmlns:a="http://schemas.openxmlformats.org/drawingml/2006/main" xmlns:r="http://schemas.openxmlformats.org/officeDocument/2006/relationships" xmlns:p="http://schemas.openxmlformats.org/presentationml/2006/main">
-  <p:cSld>
-    <p:spTree>
-      <p:nvGrpSpPr>
-        <p:cNvPr id="1" name=""/>
-        <p:cNvGrpSpPr/>
-        <p:nvPr/>
-      </p:nvGrpSpPr>
-      <p:grpSpPr>
-        <a:xfrm>
-          <a:off x="0" y="0"/>
-          <a:ext cx="0" cy="0"/>
-          <a:chOff x="0" y="0"/>
-          <a:chExt cx="0" cy="0"/>
-        </a:xfrm>
-      </p:grpSpPr>
-      <p:sp>
-        <p:nvSpPr>
-          <p:cNvPr id="3" name="Espaço Reservado para Conteúdo 2"/>
-          <p:cNvSpPr>
-            <a:spLocks noGrp="1"/>
-          </p:cNvSpPr>
-          <p:nvPr>
-            <p:ph idx="1"/>
-          </p:nvPr>
-        </p:nvSpPr>
-        <p:spPr/>
-        <p:txBody>
-          <a:bodyPr>
-            <a:normAutofit/>
-          </a:bodyPr>
-          <a:lstStyle/>
-          <a:p>
-            <a:pPr marL="0" indent="0">
-              <a:buNone/>
-            </a:pPr>
-            <a:r>
-              <a:rPr lang="pt-BR" dirty="0" smtClean="0"/>
-              <a:t>6. Quais meios de relacionamento se pretende criar com o cliente?</a:t>
-            </a:r>
-          </a:p>
-          <a:p>
-            <a:pPr marL="0" indent="0">
-              <a:buNone/>
-            </a:pPr>
-            <a:endParaRPr lang="pt-BR" dirty="0"/>
-          </a:p>
-          <a:p>
-            <a:pPr marL="0" indent="0">
-              <a:buNone/>
-            </a:pPr>
-            <a:r>
-              <a:rPr lang="pt-BR" dirty="0" smtClean="0"/>
-              <a:t>Serviço de atendimento ao consumidor. </a:t>
-            </a:r>
-          </a:p>
-          <a:p>
-            <a:pPr marL="0" indent="0">
-              <a:buNone/>
-            </a:pPr>
-            <a:r>
-              <a:rPr lang="pt-BR" dirty="0" smtClean="0"/>
-              <a:t>Tanto os profissionais quanto </a:t>
-            </a:r>
-            <a:r>
-              <a:rPr lang="pt-BR" smtClean="0"/>
-              <a:t>os contratantes.</a:t>
-            </a:r>
-            <a:endParaRPr lang="pt-BR" dirty="0" smtClean="0"/>
-          </a:p>
-          <a:p>
-            <a:pPr marL="0" indent="0">
-              <a:buNone/>
-            </a:pPr>
-            <a:endParaRPr lang="pt-BR" dirty="0"/>
-          </a:p>
-          <a:p>
-            <a:pPr marL="0" indent="0">
-              <a:buNone/>
-            </a:pPr>
-            <a:endParaRPr lang="pt-BR" dirty="0" smtClean="0"/>
-          </a:p>
-          <a:p>
-            <a:pPr marL="0" indent="0">
-              <a:buNone/>
-            </a:pPr>
-            <a:endParaRPr lang="pt-BR" dirty="0"/>
-          </a:p>
-          <a:p>
-            <a:pPr marL="0" indent="0">
-              <a:buNone/>
-            </a:pPr>
-            <a:endParaRPr lang="pt-BR" dirty="0"/>
-          </a:p>
-          <a:p>
-            <a:pPr marL="0" indent="0">
-              <a:buNone/>
-            </a:pPr>
-            <a:endParaRPr lang="pt-BR" dirty="0" smtClean="0"/>
-          </a:p>
-          <a:p>
-            <a:pPr>
-              <a:buFontTx/>
-              <a:buChar char="-"/>
-            </a:pPr>
-            <a:endParaRPr lang="pt-BR" dirty="0"/>
-          </a:p>
-        </p:txBody>
-      </p:sp>
-    </p:spTree>
-    <p:extLst>
-      <p:ext uri="{BB962C8B-B14F-4D97-AF65-F5344CB8AC3E}">
-        <p14:creationId xmlns:p14="http://schemas.microsoft.com/office/powerpoint/2010/main" val="632337385"/>
-      </p:ext>
-    </p:extLst>
-  </p:cSld>
-  <p:clrMapOvr>
-    <a:masterClrMapping/>
-  </p:clrMapOvr>
-  <p:timing>
-    <p:tnLst>
-      <p:par>
-        <p:cTn id="1" dur="indefinite" restart="never" nodeType="tmRoot"/>
-      </p:par>
-    </p:tnLst>
-  </p:timing>
-</p:sld>
-</file>
-
-<file path=ppt/slides/slide8.xml><?xml version="1.0" encoding="utf-8"?>
-<p:sld xmlns:a="http://schemas.openxmlformats.org/drawingml/2006/main" xmlns:r="http://schemas.openxmlformats.org/officeDocument/2006/relationships" xmlns:p="http://schemas.openxmlformats.org/presentationml/2006/main">
-  <p:cSld>
-    <p:spTree>
-      <p:nvGrpSpPr>
-        <p:cNvPr id="1" name=""/>
-        <p:cNvGrpSpPr/>
-        <p:nvPr/>
-      </p:nvGrpSpPr>
-      <p:grpSpPr>
-        <a:xfrm>
-          <a:off x="0" y="0"/>
-          <a:ext cx="0" cy="0"/>
-          <a:chOff x="0" y="0"/>
-          <a:chExt cx="0" cy="0"/>
-        </a:xfrm>
-      </p:grpSpPr>
-      <p:sp>
-        <p:nvSpPr>
-          <p:cNvPr id="3" name="Espaço Reservado para Conteúdo 2"/>
-          <p:cNvSpPr>
-            <a:spLocks noGrp="1"/>
-          </p:cNvSpPr>
-          <p:nvPr>
-            <p:ph idx="1"/>
-          </p:nvPr>
-        </p:nvSpPr>
-        <p:spPr/>
-        <p:txBody>
-          <a:bodyPr>
-            <a:normAutofit/>
-          </a:bodyPr>
-          <a:lstStyle/>
-          <a:p>
-            <a:pPr marL="0" indent="0">
-              <a:buNone/>
-            </a:pPr>
-            <a:r>
-              <a:rPr lang="pt-BR" dirty="0" smtClean="0"/>
-              <a:t>7. Quais as fontes da receita?</a:t>
-            </a:r>
-          </a:p>
-          <a:p>
-            <a:pPr marL="0" indent="0">
-              <a:buNone/>
-            </a:pPr>
-            <a:endParaRPr lang="pt-BR" dirty="0"/>
-          </a:p>
-          <a:p>
-            <a:pPr marL="0" indent="0">
-              <a:buNone/>
-            </a:pPr>
-            <a:r>
-              <a:rPr lang="pt-BR" dirty="0" smtClean="0"/>
-              <a:t>Comissionamento a cada transação.</a:t>
-            </a:r>
-            <a:endParaRPr lang="pt-BR" dirty="0"/>
-          </a:p>
-          <a:p>
-            <a:pPr marL="0" indent="0">
-              <a:buNone/>
-            </a:pPr>
-            <a:endParaRPr lang="pt-BR" dirty="0" smtClean="0"/>
-          </a:p>
-          <a:p>
-            <a:pPr marL="0" indent="0">
-              <a:buNone/>
-            </a:pPr>
-            <a:endParaRPr lang="pt-BR" dirty="0"/>
-          </a:p>
-          <a:p>
-            <a:pPr marL="0" indent="0">
-              <a:buNone/>
-            </a:pPr>
-            <a:endParaRPr lang="pt-BR" dirty="0"/>
-          </a:p>
-          <a:p>
-            <a:pPr marL="0" indent="0">
-              <a:buNone/>
-            </a:pPr>
-            <a:endParaRPr lang="pt-BR" dirty="0" smtClean="0"/>
-          </a:p>
-          <a:p>
-            <a:pPr>
-              <a:buFontTx/>
-              <a:buChar char="-"/>
-            </a:pPr>
-            <a:endParaRPr lang="pt-BR" dirty="0"/>
-          </a:p>
-        </p:txBody>
-      </p:sp>
-    </p:spTree>
-    <p:extLst>
-      <p:ext uri="{BB962C8B-B14F-4D97-AF65-F5344CB8AC3E}">
-        <p14:creationId xmlns:p14="http://schemas.microsoft.com/office/powerpoint/2010/main" val="1090533756"/>
-      </p:ext>
-    </p:extLst>
-  </p:cSld>
-  <p:clrMapOvr>
-    <a:masterClrMapping/>
-  </p:clrMapOvr>
-  <p:timing>
-    <p:tnLst>
-      <p:par>
-        <p:cTn id="1" dur="indefinite" restart="never" nodeType="tmRoot"/>
-      </p:par>
-    </p:tnLst>
-  </p:timing>
-</p:sld>
-</file>
-
-<file path=ppt/slides/slide9.xml><?xml version="1.0" encoding="utf-8"?>
-<p:sld xmlns:a="http://schemas.openxmlformats.org/drawingml/2006/main" xmlns:r="http://schemas.openxmlformats.org/officeDocument/2006/relationships" xmlns:p="http://schemas.openxmlformats.org/presentationml/2006/main">
-  <p:cSld>
-    <p:spTree>
-      <p:nvGrpSpPr>
-        <p:cNvPr id="1" name=""/>
-        <p:cNvGrpSpPr/>
-        <p:nvPr/>
-      </p:nvGrpSpPr>
-      <p:grpSpPr>
-        <a:xfrm>
-          <a:off x="0" y="0"/>
-          <a:ext cx="0" cy="0"/>
-          <a:chOff x="0" y="0"/>
-          <a:chExt cx="0" cy="0"/>
-        </a:xfrm>
-      </p:grpSpPr>
-      <p:sp>
-        <p:nvSpPr>
-          <p:cNvPr id="3" name="Espaço Reservado para Conteúdo 2"/>
-          <p:cNvSpPr>
-            <a:spLocks noGrp="1"/>
-          </p:cNvSpPr>
-          <p:nvPr>
-            <p:ph idx="1"/>
-          </p:nvPr>
-        </p:nvSpPr>
-        <p:spPr/>
-        <p:txBody>
-          <a:bodyPr>
-            <a:normAutofit lnSpcReduction="10000"/>
-          </a:bodyPr>
-          <a:lstStyle/>
-          <a:p>
-            <a:pPr marL="0" indent="0">
-              <a:buNone/>
-            </a:pPr>
-            <a:r>
-              <a:rPr lang="pt-BR" dirty="0" smtClean="0"/>
-              <a:t>8. Quais recursos necessários para solucionar o problema?</a:t>
-            </a:r>
-          </a:p>
-          <a:p>
-            <a:pPr marL="0" indent="0">
-              <a:buNone/>
-            </a:pPr>
-            <a:endParaRPr lang="pt-BR" dirty="0"/>
-          </a:p>
-          <a:p>
-            <a:pPr marL="0" indent="0">
-              <a:buNone/>
-            </a:pPr>
-            <a:r>
-              <a:rPr lang="pt-BR" dirty="0" smtClean="0"/>
-              <a:t>-Desenvolvimento;</a:t>
-            </a:r>
-          </a:p>
-          <a:p>
-            <a:pPr marL="0" indent="0">
-              <a:buNone/>
-            </a:pPr>
-            <a:r>
-              <a:rPr lang="pt-BR" dirty="0" smtClean="0"/>
-              <a:t>- Servidor de aplicação</a:t>
-            </a:r>
-          </a:p>
-          <a:p>
-            <a:pPr marL="0" indent="0">
-              <a:buNone/>
-            </a:pPr>
-            <a:r>
-              <a:rPr lang="pt-BR" dirty="0" smtClean="0"/>
-              <a:t>-Mão de obra;</a:t>
-            </a:r>
-          </a:p>
-          <a:p>
-            <a:pPr marL="0" indent="0">
-              <a:buNone/>
-            </a:pPr>
-            <a:r>
-              <a:rPr lang="pt-BR" dirty="0" smtClean="0"/>
-              <a:t>-Base de profissionais;</a:t>
-            </a:r>
-          </a:p>
-          <a:p>
-            <a:pPr marL="0" indent="0">
-              <a:buNone/>
-            </a:pPr>
-            <a:r>
-              <a:rPr lang="pt-BR" dirty="0" smtClean="0"/>
-              <a:t>-Marketing;</a:t>
-            </a:r>
-          </a:p>
-          <a:p>
-            <a:pPr marL="0" indent="0">
-              <a:buNone/>
-            </a:pPr>
-            <a:endParaRPr lang="pt-BR" dirty="0"/>
-          </a:p>
-          <a:p>
-            <a:pPr marL="0" indent="0">
-              <a:buNone/>
-            </a:pPr>
-            <a:endParaRPr lang="pt-BR" dirty="0"/>
-          </a:p>
-          <a:p>
-            <a:pPr marL="0" indent="0">
-              <a:buNone/>
-            </a:pPr>
-            <a:endParaRPr lang="pt-BR" dirty="0" smtClean="0"/>
-          </a:p>
-          <a:p>
-            <a:pPr>
-              <a:buFontTx/>
-              <a:buChar char="-"/>
-            </a:pPr>
-            <a:endParaRPr lang="pt-BR" dirty="0"/>
-          </a:p>
-        </p:txBody>
-      </p:sp>
-    </p:spTree>
-    <p:extLst>
-      <p:ext uri="{BB962C8B-B14F-4D97-AF65-F5344CB8AC3E}">
-        <p14:creationId xmlns:p14="http://schemas.microsoft.com/office/powerpoint/2010/main" val="2827136587"/>
-      </p:ext>
-    </p:extLst>
-  </p:cSld>
-  <p:clrMapOvr>
-    <a:masterClrMapping/>
-  </p:clrMapOvr>
-  <p:timing>
-    <p:tnLst>
-      <p:par>
-        <p:cTn id="1" dur="indefinite" restart="never" nodeType="tmRoot"/>
-      </p:par>
-    </p:tnLst>
-  </p:timing>
 </p:sld>
 </file>
 

--- a/Docs/Projeto de software apresentação.pptx
+++ b/Docs/Projeto de software apresentação.pptx
@@ -3572,19 +3572,12 @@
           </a:p>
           <a:p>
             <a:r>
+              <a:rPr lang="pt-BR" sz="2800" smtClean="0"/>
+              <a:t>Rafael </a:t>
+            </a:r>
+            <a:r>
               <a:rPr lang="pt-BR" sz="2800" dirty="0"/>
-              <a:t>Milena </a:t>
-            </a:r>
-            <a:r>
-              <a:rPr lang="pt-BR" sz="2800" dirty="0" err="1"/>
-              <a:t>Greuel</a:t>
-            </a:r>
-            <a:endParaRPr lang="pt-BR" sz="2800" dirty="0"/>
-          </a:p>
-          <a:p>
-            <a:r>
-              <a:rPr lang="pt-BR" sz="2800" dirty="0"/>
-              <a:t>Rafael Rossi</a:t>
+              <a:t>Rossi</a:t>
             </a:r>
           </a:p>
         </p:txBody>
@@ -3624,7 +3617,7 @@
           <p:cNvPr id="2" name="Título 1">
             <a:extLst>
               <a:ext uri="{FF2B5EF4-FFF2-40B4-BE49-F238E27FC236}">
-                <a16:creationId xmlns:a16="http://schemas.microsoft.com/office/drawing/2014/main" id="{CCDD6B45-CFAE-4913-B0AA-36BEEA039225}"/>
+                <a16:creationId xmlns:a16="http://schemas.microsoft.com/office/drawing/2014/main" xmlns="" id="{CCDD6B45-CFAE-4913-B0AA-36BEEA039225}"/>
               </a:ext>
             </a:extLst>
           </p:cNvPr>
@@ -3649,7 +3642,7 @@
           <p:cNvPr id="3" name="Espaço Reservado para Conteúdo 2">
             <a:extLst>
               <a:ext uri="{FF2B5EF4-FFF2-40B4-BE49-F238E27FC236}">
-                <a16:creationId xmlns:a16="http://schemas.microsoft.com/office/drawing/2014/main" id="{A4807060-8104-421E-80C6-1CCEF10C57AE}"/>
+                <a16:creationId xmlns:a16="http://schemas.microsoft.com/office/drawing/2014/main" xmlns="" id="{A4807060-8104-421E-80C6-1CCEF10C57AE}"/>
               </a:ext>
             </a:extLst>
           </p:cNvPr>
@@ -3717,7 +3710,7 @@
           <p:cNvPr id="2" name="Título 1">
             <a:extLst>
               <a:ext uri="{FF2B5EF4-FFF2-40B4-BE49-F238E27FC236}">
-                <a16:creationId xmlns:a16="http://schemas.microsoft.com/office/drawing/2014/main" id="{28B8B80D-DF4C-4763-B3A1-6D2FD705727A}"/>
+                <a16:creationId xmlns:a16="http://schemas.microsoft.com/office/drawing/2014/main" xmlns="" id="{28B8B80D-DF4C-4763-B3A1-6D2FD705727A}"/>
               </a:ext>
             </a:extLst>
           </p:cNvPr>
@@ -3742,7 +3735,7 @@
           <p:cNvPr id="3" name="Espaço Reservado para Conteúdo 2">
             <a:extLst>
               <a:ext uri="{FF2B5EF4-FFF2-40B4-BE49-F238E27FC236}">
-                <a16:creationId xmlns:a16="http://schemas.microsoft.com/office/drawing/2014/main" id="{A10E79E9-EBB7-4FF6-A689-A12B433C6DCD}"/>
+                <a16:creationId xmlns:a16="http://schemas.microsoft.com/office/drawing/2014/main" xmlns="" id="{A10E79E9-EBB7-4FF6-A689-A12B433C6DCD}"/>
               </a:ext>
             </a:extLst>
           </p:cNvPr>
@@ -4052,7 +4045,7 @@
           <p:cNvPr id="5" name="Título 4">
             <a:extLst>
               <a:ext uri="{FF2B5EF4-FFF2-40B4-BE49-F238E27FC236}">
-                <a16:creationId xmlns:a16="http://schemas.microsoft.com/office/drawing/2014/main" id="{33C8FABA-5E42-46D1-B3B0-687B4208906A}"/>
+                <a16:creationId xmlns:a16="http://schemas.microsoft.com/office/drawing/2014/main" xmlns="" id="{33C8FABA-5E42-46D1-B3B0-687B4208906A}"/>
               </a:ext>
             </a:extLst>
           </p:cNvPr>
@@ -4184,7 +4177,7 @@
           <p:cNvPr id="5" name="Título 4">
             <a:extLst>
               <a:ext uri="{FF2B5EF4-FFF2-40B4-BE49-F238E27FC236}">
-                <a16:creationId xmlns:a16="http://schemas.microsoft.com/office/drawing/2014/main" id="{174CC966-ABBB-4D0A-A13D-F4EA28A71503}"/>
+                <a16:creationId xmlns:a16="http://schemas.microsoft.com/office/drawing/2014/main" xmlns="" id="{174CC966-ABBB-4D0A-A13D-F4EA28A71503}"/>
               </a:ext>
             </a:extLst>
           </p:cNvPr>

--- a/Docs/Projeto de software apresentação.pptx
+++ b/Docs/Projeto de software apresentação.pptx
@@ -6,11 +6,13 @@
   </p:sldMasterIdLst>
   <p:sldIdLst>
     <p:sldId id="279" r:id="rId2"/>
-    <p:sldId id="295" r:id="rId3"/>
-    <p:sldId id="296" r:id="rId4"/>
-    <p:sldId id="292" r:id="rId5"/>
-    <p:sldId id="293" r:id="rId6"/>
-    <p:sldId id="294" r:id="rId7"/>
+    <p:sldId id="297" r:id="rId3"/>
+    <p:sldId id="298" r:id="rId4"/>
+    <p:sldId id="295" r:id="rId5"/>
+    <p:sldId id="296" r:id="rId6"/>
+    <p:sldId id="292" r:id="rId7"/>
+    <p:sldId id="293" r:id="rId8"/>
+    <p:sldId id="294" r:id="rId9"/>
   </p:sldIdLst>
   <p:sldSz cx="9144000" cy="6858000" type="screen4x3"/>
   <p:notesSz cx="6858000" cy="9144000"/>
@@ -3572,12 +3574,19 @@
           </a:p>
           <a:p>
             <a:r>
-              <a:rPr lang="pt-BR" sz="2800" smtClean="0"/>
-              <a:t>Rafael </a:t>
-            </a:r>
-            <a:r>
               <a:rPr lang="pt-BR" sz="2800" dirty="0"/>
-              <a:t>Rossi</a:t>
+              <a:t>Milena </a:t>
+            </a:r>
+            <a:r>
+              <a:rPr lang="pt-BR" sz="2800" dirty="0" err="1"/>
+              <a:t>Greuel</a:t>
+            </a:r>
+            <a:endParaRPr lang="pt-BR" sz="2800" dirty="0"/>
+          </a:p>
+          <a:p>
+            <a:r>
+              <a:rPr lang="pt-BR" sz="2800" dirty="0"/>
+              <a:t>Rafael Rossi</a:t>
             </a:r>
           </a:p>
         </p:txBody>
@@ -3617,7 +3626,7 @@
           <p:cNvPr id="2" name="Título 1">
             <a:extLst>
               <a:ext uri="{FF2B5EF4-FFF2-40B4-BE49-F238E27FC236}">
-                <a16:creationId xmlns:a16="http://schemas.microsoft.com/office/drawing/2014/main" xmlns="" id="{CCDD6B45-CFAE-4913-B0AA-36BEEA039225}"/>
+                <a16:creationId xmlns:a16="http://schemas.microsoft.com/office/drawing/2014/main" id="{3C234A29-E8FF-4491-8BFF-FFE25667FEAE}"/>
               </a:ext>
             </a:extLst>
           </p:cNvPr>
@@ -3633,7 +3642,7 @@
           <a:bodyPr/>
           <a:lstStyle/>
           <a:p>
-            <a:endParaRPr lang="pt-BR" dirty="0"/>
+            <a:endParaRPr lang="pt-BR"/>
           </a:p>
         </p:txBody>
       </p:sp>
@@ -3642,7 +3651,7 @@
           <p:cNvPr id="3" name="Espaço Reservado para Conteúdo 2">
             <a:extLst>
               <a:ext uri="{FF2B5EF4-FFF2-40B4-BE49-F238E27FC236}">
-                <a16:creationId xmlns:a16="http://schemas.microsoft.com/office/drawing/2014/main" xmlns="" id="{A4807060-8104-421E-80C6-1CCEF10C57AE}"/>
+                <a16:creationId xmlns:a16="http://schemas.microsoft.com/office/drawing/2014/main" id="{316AAE21-D976-4044-A0BE-4ABD8784A36A}"/>
               </a:ext>
             </a:extLst>
           </p:cNvPr>
@@ -3658,27 +3667,35 @@
           <a:bodyPr/>
           <a:lstStyle/>
           <a:p>
-            <a:pPr algn="ctr"/>
-            <a:endParaRPr lang="en-US" sz="5400" dirty="0"/>
-          </a:p>
-          <a:p>
-            <a:pPr algn="ctr"/>
-            <a:r>
-              <a:rPr lang="en-US" sz="5400" dirty="0" err="1"/>
-              <a:t>Benefíc</a:t>
-            </a:r>
-            <a:r>
-              <a:rPr lang="pt-BR" sz="5400" dirty="0" err="1"/>
-              <a:t>ios</a:t>
-            </a:r>
-            <a:endParaRPr lang="pt-BR" sz="5400" dirty="0"/>
+            <a:r>
+              <a:rPr lang="pt-BR" dirty="0"/>
+              <a:t>Qual o problema a ser resolvido?</a:t>
+            </a:r>
+          </a:p>
+          <a:p>
+            <a:pPr marL="0" indent="0">
+              <a:buNone/>
+            </a:pPr>
+            <a:endParaRPr lang="pt-BR" dirty="0"/>
+          </a:p>
+          <a:p>
+            <a:pPr marL="0" indent="0">
+              <a:buNone/>
+            </a:pPr>
+            <a:r>
+              <a:rPr lang="pt-BR" dirty="0"/>
+              <a:t>Encontrar uma diarista que preste serviços de qualidade.</a:t>
+            </a:r>
+          </a:p>
+          <a:p>
+            <a:endParaRPr lang="pt-BR" dirty="0"/>
           </a:p>
         </p:txBody>
       </p:sp>
     </p:spTree>
     <p:extLst>
       <p:ext uri="{BB962C8B-B14F-4D97-AF65-F5344CB8AC3E}">
-        <p14:creationId xmlns:p14="http://schemas.microsoft.com/office/powerpoint/2010/main" val="1538998264"/>
+        <p14:creationId xmlns:p14="http://schemas.microsoft.com/office/powerpoint/2010/main" val="4015667305"/>
       </p:ext>
     </p:extLst>
   </p:cSld>
@@ -3710,7 +3727,7 @@
           <p:cNvPr id="2" name="Título 1">
             <a:extLst>
               <a:ext uri="{FF2B5EF4-FFF2-40B4-BE49-F238E27FC236}">
-                <a16:creationId xmlns:a16="http://schemas.microsoft.com/office/drawing/2014/main" xmlns="" id="{28B8B80D-DF4C-4763-B3A1-6D2FD705727A}"/>
+                <a16:creationId xmlns:a16="http://schemas.microsoft.com/office/drawing/2014/main" id="{020F12F3-62A7-4613-87E6-4D7E1CCA9845}"/>
               </a:ext>
             </a:extLst>
           </p:cNvPr>
@@ -3726,7 +3743,7 @@
           <a:bodyPr/>
           <a:lstStyle/>
           <a:p>
-            <a:endParaRPr lang="pt-BR"/>
+            <a:endParaRPr lang="pt-BR" dirty="0"/>
           </a:p>
         </p:txBody>
       </p:sp>
@@ -3735,7 +3752,7 @@
           <p:cNvPr id="3" name="Espaço Reservado para Conteúdo 2">
             <a:extLst>
               <a:ext uri="{FF2B5EF4-FFF2-40B4-BE49-F238E27FC236}">
-                <a16:creationId xmlns:a16="http://schemas.microsoft.com/office/drawing/2014/main" xmlns="" id="{A10E79E9-EBB7-4FF6-A689-A12B433C6DCD}"/>
+                <a16:creationId xmlns:a16="http://schemas.microsoft.com/office/drawing/2014/main" id="{3A3EA881-9E54-4F0A-B90A-4F97DBEF1799}"/>
               </a:ext>
             </a:extLst>
           </p:cNvPr>
@@ -3751,31 +3768,39 @@
           <a:bodyPr/>
           <a:lstStyle/>
           <a:p>
-            <a:pPr algn="ctr"/>
-            <a:endParaRPr lang="en-US" sz="5400" dirty="0"/>
-          </a:p>
-          <a:p>
-            <a:pPr algn="ctr"/>
-            <a:r>
-              <a:rPr lang="en-US" sz="5400" dirty="0"/>
-              <a:t>Como </a:t>
-            </a:r>
-            <a:r>
-              <a:rPr lang="en-US" sz="5400" dirty="0" err="1"/>
-              <a:t>funciona</a:t>
-            </a:r>
-            <a:r>
-              <a:rPr lang="en-US" sz="5400" dirty="0"/>
-              <a:t>?</a:t>
-            </a:r>
-            <a:endParaRPr lang="pt-BR" sz="5400" dirty="0"/>
+            <a:r>
+              <a:rPr lang="pt-BR" dirty="0"/>
+              <a:t>Como o problema foi resolvido?</a:t>
+            </a:r>
+          </a:p>
+          <a:p>
+            <a:pPr marL="0" indent="0">
+              <a:buNone/>
+            </a:pPr>
+            <a:r>
+              <a:rPr lang="en-US" dirty="0"/>
+              <a:t>I</a:t>
+            </a:r>
+            <a:r>
+              <a:rPr lang="pt-BR" dirty="0" err="1"/>
+              <a:t>mplementamos</a:t>
+            </a:r>
+            <a:r>
+              <a:rPr lang="pt-BR" dirty="0"/>
+              <a:t> </a:t>
+            </a:r>
+            <a:r>
+              <a:rPr lang="pt-BR"/>
+              <a:t>uma aplica</a:t>
+            </a:r>
+            <a:endParaRPr lang="pt-BR" dirty="0"/>
           </a:p>
         </p:txBody>
       </p:sp>
     </p:spTree>
     <p:extLst>
       <p:ext uri="{BB962C8B-B14F-4D97-AF65-F5344CB8AC3E}">
-        <p14:creationId xmlns:p14="http://schemas.microsoft.com/office/powerpoint/2010/main" val="216386268"/>
+        <p14:creationId xmlns:p14="http://schemas.microsoft.com/office/powerpoint/2010/main" val="3848949079"/>
       </p:ext>
     </p:extLst>
   </p:cSld>
@@ -3804,7 +3829,13 @@
       </p:grpSpPr>
       <p:sp>
         <p:nvSpPr>
-          <p:cNvPr id="2" name="Título 1"/>
+          <p:cNvPr id="2" name="Título 1">
+            <a:extLst>
+              <a:ext uri="{FF2B5EF4-FFF2-40B4-BE49-F238E27FC236}">
+                <a16:creationId xmlns:a16="http://schemas.microsoft.com/office/drawing/2014/main" id="{CCDD6B45-CFAE-4913-B0AA-36BEEA039225}"/>
+              </a:ext>
+            </a:extLst>
+          </p:cNvPr>
           <p:cNvSpPr>
             <a:spLocks noGrp="1"/>
           </p:cNvSpPr>
@@ -3817,16 +3848,19 @@
           <a:bodyPr/>
           <a:lstStyle/>
           <a:p>
-            <a:r>
-              <a:rPr lang="pt-BR" sz="3600" dirty="0"/>
-              <a:t>   Requisitos funcionais retirados</a:t>
-            </a:r>
-          </a:p>
-        </p:txBody>
-      </p:sp>
-      <p:sp>
-        <p:nvSpPr>
-          <p:cNvPr id="3" name="Espaço Reservado para Conteúdo 2"/>
+            <a:endParaRPr lang="pt-BR" dirty="0"/>
+          </a:p>
+        </p:txBody>
+      </p:sp>
+      <p:sp>
+        <p:nvSpPr>
+          <p:cNvPr id="3" name="Espaço Reservado para Conteúdo 2">
+            <a:extLst>
+              <a:ext uri="{FF2B5EF4-FFF2-40B4-BE49-F238E27FC236}">
+                <a16:creationId xmlns:a16="http://schemas.microsoft.com/office/drawing/2014/main" id="{A4807060-8104-421E-80C6-1CCEF10C57AE}"/>
+              </a:ext>
+            </a:extLst>
+          </p:cNvPr>
           <p:cNvSpPr>
             <a:spLocks noGrp="1"/>
           </p:cNvSpPr>
@@ -3839,81 +3873,27 @@
           <a:bodyPr/>
           <a:lstStyle/>
           <a:p>
-            <a:r>
-              <a:rPr lang="pt-BR" sz="1600" b="1" dirty="0"/>
-              <a:t>RF04</a:t>
-            </a:r>
-            <a:r>
-              <a:rPr lang="pt-BR" sz="1600" dirty="0"/>
-              <a:t> -​ ​ O​ ​ sistema​ deve​​ permitir​​ ​refinar​ ​a​ pesquisa por​ relevância; ​</a:t>
-            </a:r>
-          </a:p>
-          <a:p>
-            <a:r>
-              <a:rPr lang="pt-BR" sz="1600" dirty="0"/>
-              <a:t>Motivo: Não temos conhecimento suficiente para a implantação desse requisito.</a:t>
-            </a:r>
-          </a:p>
-          <a:p>
-            <a:r>
-              <a:rPr lang="pt-BR" sz="1600" b="1" dirty="0"/>
-              <a:t>RF05</a:t>
-            </a:r>
-            <a:r>
-              <a:rPr lang="pt-BR" sz="1600" dirty="0"/>
-              <a:t> -​ ​ O​ ​ sistema​ ​deve​ ​permitir​ ​refinar​ ​a​ ​pesquisa​ por​​ ​preço;</a:t>
-            </a:r>
-          </a:p>
-          <a:p>
-            <a:r>
-              <a:rPr lang="pt-BR" sz="1600" dirty="0"/>
-              <a:t>Motivo: Não temos conhecimento suficiente para a implantação desse requisito.</a:t>
-            </a:r>
-          </a:p>
-          <a:p>
-            <a:r>
-              <a:rPr lang="pt-BR" sz="1600" b="1" dirty="0"/>
-              <a:t>RF06</a:t>
-            </a:r>
-            <a:r>
-              <a:rPr lang="pt-BR" sz="1600" dirty="0"/>
-              <a:t> ​ -​ ​ O​ ​ sistema​ deve​ ​permitir a​ ​​consulta​ ​de​ ​diaristas​ ​por ​​agenda;</a:t>
-            </a:r>
-          </a:p>
-          <a:p>
-            <a:r>
-              <a:rPr lang="pt-BR" sz="1600" dirty="0"/>
-              <a:t>Motivo: Não temos conhecimento suficiente para a implantação desse requisito.</a:t>
-            </a:r>
-          </a:p>
-          <a:p>
-            <a:r>
-              <a:rPr lang="pt-BR" sz="1600" b="1" dirty="0"/>
-              <a:t>RF07</a:t>
-            </a:r>
-            <a:r>
-              <a:rPr lang="pt-BR" sz="1600" dirty="0"/>
-              <a:t> ​ -​ ​ O​ ​ sistema deve​​ ​permitir o​ ​​gerenciamento​ ​da​ ​agenda​ ​da ​​diarista;</a:t>
-            </a:r>
-          </a:p>
-          <a:p>
-            <a:r>
-              <a:rPr lang="pt-BR" sz="1600" dirty="0"/>
-              <a:t>Motivo: A criação de uma agenda e muito trabalhosa, portanto decidimos deixar de lado esse requisito, e deixar por conta da própria diarista administrar seu horário.</a:t>
-            </a:r>
-          </a:p>
-          <a:p>
-            <a:pPr marL="0" indent="0">
-              <a:buNone/>
-            </a:pPr>
-            <a:endParaRPr lang="pt-BR" sz="1600" dirty="0"/>
+            <a:pPr algn="ctr"/>
+            <a:endParaRPr lang="en-US" sz="5400" dirty="0"/>
+          </a:p>
+          <a:p>
+            <a:pPr algn="ctr"/>
+            <a:r>
+              <a:rPr lang="en-US" sz="5400" dirty="0" err="1"/>
+              <a:t>Benefíc</a:t>
+            </a:r>
+            <a:r>
+              <a:rPr lang="pt-BR" sz="5400" dirty="0" err="1"/>
+              <a:t>ios</a:t>
+            </a:r>
+            <a:endParaRPr lang="pt-BR" sz="5400" dirty="0"/>
           </a:p>
         </p:txBody>
       </p:sp>
     </p:spTree>
     <p:extLst>
       <p:ext uri="{BB962C8B-B14F-4D97-AF65-F5344CB8AC3E}">
-        <p14:creationId xmlns:p14="http://schemas.microsoft.com/office/powerpoint/2010/main" val="433260567"/>
+        <p14:creationId xmlns:p14="http://schemas.microsoft.com/office/powerpoint/2010/main" val="1538998264"/>
       </p:ext>
     </p:extLst>
   </p:cSld>
@@ -3942,110 +3922,10 @@
       </p:grpSpPr>
       <p:sp>
         <p:nvSpPr>
-          <p:cNvPr id="3" name="Espaço Reservado para Conteúdo 2"/>
-          <p:cNvSpPr>
-            <a:spLocks noGrp="1"/>
-          </p:cNvSpPr>
-          <p:nvPr>
-            <p:ph idx="1"/>
-          </p:nvPr>
-        </p:nvSpPr>
-        <p:spPr/>
-        <p:txBody>
-          <a:bodyPr/>
-          <a:lstStyle/>
-          <a:p>
-            <a:r>
-              <a:rPr lang="pt-BR" sz="1600" b="1" dirty="0"/>
-              <a:t>RF09</a:t>
-            </a:r>
-            <a:r>
-              <a:rPr lang="pt-BR" sz="1600" dirty="0"/>
-              <a:t> ​ -​ ​ O​ ​ sistema​ deve​ permitir ​​o​ ​usuário ​selecionar a​​ diarista; ​</a:t>
-            </a:r>
-          </a:p>
-          <a:p>
-            <a:pPr marL="0" indent="0">
-              <a:buNone/>
-            </a:pPr>
-            <a:r>
-              <a:rPr lang="pt-BR" sz="1600" dirty="0"/>
-              <a:t>Motivo: Decidimos modificar, a principal proposta da nossa aplicação, de início ela serviria para contração de diaristas, porém, agora ela serve para facilitar a busca de diaristas, portanto, não vimos necessidade da implantação desse requisito.</a:t>
-            </a:r>
-          </a:p>
-          <a:p>
-            <a:r>
-              <a:rPr lang="pt-BR" sz="1600" b="1" dirty="0"/>
-              <a:t>RF10</a:t>
-            </a:r>
-            <a:r>
-              <a:rPr lang="pt-BR" sz="1600" dirty="0"/>
-              <a:t>​ -​ ​ ​O​ ​sistema​ ​deve​ ​permitir​ o​ ​​usuário​ ​descrever​ ​o​ ​serviço ​​solicitado;</a:t>
-            </a:r>
-          </a:p>
-          <a:p>
-            <a:pPr marL="0" indent="0">
-              <a:buNone/>
-            </a:pPr>
-            <a:r>
-              <a:rPr lang="pt-BR" sz="1600" dirty="0"/>
-              <a:t>Motivo: a explicação do motivo desse requisito e igual ao de número 09.</a:t>
-            </a:r>
-          </a:p>
-          <a:p>
-            <a:r>
-              <a:rPr lang="pt-BR" sz="1600" b="1" dirty="0"/>
-              <a:t>RF11</a:t>
-            </a:r>
-            <a:r>
-              <a:rPr lang="pt-BR" sz="1600" dirty="0"/>
-              <a:t>​ ​-​ ​O​ ​sistema​ ​deve​ ​permitir​ ​a​ ​diarista​ ​aprovar​ ​ou​ não​	 ​ ​o​ serviço​	 ​ ​solicitado;</a:t>
-            </a:r>
-          </a:p>
-          <a:p>
-            <a:pPr marL="0" indent="0">
-              <a:buNone/>
-            </a:pPr>
-            <a:r>
-              <a:rPr lang="en-US" sz="1600" dirty="0"/>
-              <a:t>M</a:t>
-            </a:r>
-            <a:r>
-              <a:rPr lang="pt-BR" sz="1600" dirty="0" err="1"/>
-              <a:t>otivo</a:t>
-            </a:r>
-            <a:r>
-              <a:rPr lang="pt-BR" sz="1600" dirty="0"/>
-              <a:t>: a explicação do motivo desse requisito e igual ao de número 09.</a:t>
-            </a:r>
-          </a:p>
-          <a:p>
-            <a:r>
-              <a:rPr lang="pt-BR" sz="1600" b="1" dirty="0"/>
-              <a:t>RF13</a:t>
-            </a:r>
-            <a:r>
-              <a:rPr lang="pt-BR" sz="1600" dirty="0"/>
-              <a:t> ​ -​ ​ O​ ​ sistema​​ deve​​ ​permitir que o​​ ​usuário ​negocie o​ ​ valor​ proposto; ​</a:t>
-            </a:r>
-          </a:p>
-          <a:p>
-            <a:pPr marL="0" indent="0">
-              <a:buNone/>
-            </a:pPr>
-            <a:r>
-              <a:rPr lang="pt-BR" sz="1600" dirty="0"/>
-              <a:t>Motivo: Após analisarmos novamente esse requisito notamos que poderia ficar confuso, e até mesmo frustrante para quem está contratando um serviço, pois poderia demorar para receber uma resposta do trabalhador.</a:t>
-            </a:r>
-          </a:p>
-        </p:txBody>
-      </p:sp>
-      <p:sp>
-        <p:nvSpPr>
-          <p:cNvPr id="5" name="Título 4">
+          <p:cNvPr id="2" name="Título 1">
             <a:extLst>
               <a:ext uri="{FF2B5EF4-FFF2-40B4-BE49-F238E27FC236}">
-                <a16:creationId xmlns:a16="http://schemas.microsoft.com/office/drawing/2014/main" xmlns="" id="{33C8FABA-5E42-46D1-B3B0-687B4208906A}"/>
+                <a16:creationId xmlns:a16="http://schemas.microsoft.com/office/drawing/2014/main" id="{28B8B80D-DF4C-4763-B3A1-6D2FD705727A}"/>
               </a:ext>
             </a:extLst>
           </p:cNvPr>
@@ -4065,10 +3945,52 @@
           </a:p>
         </p:txBody>
       </p:sp>
+      <p:sp>
+        <p:nvSpPr>
+          <p:cNvPr id="3" name="Espaço Reservado para Conteúdo 2">
+            <a:extLst>
+              <a:ext uri="{FF2B5EF4-FFF2-40B4-BE49-F238E27FC236}">
+                <a16:creationId xmlns:a16="http://schemas.microsoft.com/office/drawing/2014/main" id="{A10E79E9-EBB7-4FF6-A689-A12B433C6DCD}"/>
+              </a:ext>
+            </a:extLst>
+          </p:cNvPr>
+          <p:cNvSpPr>
+            <a:spLocks noGrp="1"/>
+          </p:cNvSpPr>
+          <p:nvPr>
+            <p:ph idx="1"/>
+          </p:nvPr>
+        </p:nvSpPr>
+        <p:spPr/>
+        <p:txBody>
+          <a:bodyPr/>
+          <a:lstStyle/>
+          <a:p>
+            <a:pPr algn="ctr"/>
+            <a:endParaRPr lang="en-US" sz="5400" dirty="0"/>
+          </a:p>
+          <a:p>
+            <a:pPr algn="ctr"/>
+            <a:r>
+              <a:rPr lang="en-US" sz="5400" dirty="0"/>
+              <a:t>Como </a:t>
+            </a:r>
+            <a:r>
+              <a:rPr lang="en-US" sz="5400" dirty="0" err="1"/>
+              <a:t>funciona</a:t>
+            </a:r>
+            <a:r>
+              <a:rPr lang="en-US" sz="5400" dirty="0"/>
+              <a:t>?</a:t>
+            </a:r>
+            <a:endParaRPr lang="pt-BR" sz="5400" dirty="0"/>
+          </a:p>
+        </p:txBody>
+      </p:sp>
     </p:spTree>
     <p:extLst>
       <p:ext uri="{BB962C8B-B14F-4D97-AF65-F5344CB8AC3E}">
-        <p14:creationId xmlns:p14="http://schemas.microsoft.com/office/powerpoint/2010/main" val="4022399268"/>
+        <p14:creationId xmlns:p14="http://schemas.microsoft.com/office/powerpoint/2010/main" val="216386268"/>
       </p:ext>
     </p:extLst>
   </p:cSld>
@@ -4097,6 +4019,28 @@
       </p:grpSpPr>
       <p:sp>
         <p:nvSpPr>
+          <p:cNvPr id="2" name="Título 1"/>
+          <p:cNvSpPr>
+            <a:spLocks noGrp="1"/>
+          </p:cNvSpPr>
+          <p:nvPr>
+            <p:ph type="title"/>
+          </p:nvPr>
+        </p:nvSpPr>
+        <p:spPr/>
+        <p:txBody>
+          <a:bodyPr/>
+          <a:lstStyle/>
+          <a:p>
+            <a:r>
+              <a:rPr lang="pt-BR" sz="3600" dirty="0"/>
+              <a:t>   Requisitos funcionais retirados</a:t>
+            </a:r>
+          </a:p>
+        </p:txBody>
+      </p:sp>
+      <p:sp>
+        <p:nvSpPr>
           <p:cNvPr id="3" name="Espaço Reservado para Conteúdo 2"/>
           <p:cNvSpPr>
             <a:spLocks noGrp="1"/>
@@ -4109,6 +4053,187 @@
         <p:txBody>
           <a:bodyPr/>
           <a:lstStyle/>
+          <a:p>
+            <a:r>
+              <a:rPr lang="pt-BR" sz="1600" b="1" dirty="0"/>
+              <a:t>RF04</a:t>
+            </a:r>
+            <a:r>
+              <a:rPr lang="pt-BR" sz="1600" dirty="0"/>
+              <a:t> -​ ​ O​ ​ sistema​ deve​​ permitir​​ ​refinar​ ​a​ pesquisa por​ relevância; ​</a:t>
+            </a:r>
+          </a:p>
+          <a:p>
+            <a:r>
+              <a:rPr lang="pt-BR" sz="1600" dirty="0"/>
+              <a:t>Motivo: Não temos conhecimento suficiente para a implantação desse requisito.</a:t>
+            </a:r>
+          </a:p>
+          <a:p>
+            <a:r>
+              <a:rPr lang="pt-BR" sz="1600" b="1" dirty="0"/>
+              <a:t>RF05</a:t>
+            </a:r>
+            <a:r>
+              <a:rPr lang="pt-BR" sz="1600" dirty="0"/>
+              <a:t> -​ ​ O​ ​ sistema​ ​deve​ ​permitir​ ​refinar​ ​a​ ​pesquisa​ por​​ ​preço;</a:t>
+            </a:r>
+          </a:p>
+          <a:p>
+            <a:r>
+              <a:rPr lang="pt-BR" sz="1600" dirty="0"/>
+              <a:t>Motivo: Não temos conhecimento suficiente para a implantação desse requisito.</a:t>
+            </a:r>
+          </a:p>
+          <a:p>
+            <a:r>
+              <a:rPr lang="pt-BR" sz="1600" b="1" dirty="0"/>
+              <a:t>RF06</a:t>
+            </a:r>
+            <a:r>
+              <a:rPr lang="pt-BR" sz="1600" dirty="0"/>
+              <a:t> ​ -​ ​ O​ ​ sistema​ deve​ ​permitir a​ ​​consulta​ ​de​ ​diaristas​ ​por ​​agenda;</a:t>
+            </a:r>
+          </a:p>
+          <a:p>
+            <a:r>
+              <a:rPr lang="pt-BR" sz="1600" dirty="0"/>
+              <a:t>Motivo: Não temos conhecimento suficiente para a implantação desse requisito.</a:t>
+            </a:r>
+          </a:p>
+          <a:p>
+            <a:r>
+              <a:rPr lang="pt-BR" sz="1600" b="1" dirty="0"/>
+              <a:t>RF07</a:t>
+            </a:r>
+            <a:r>
+              <a:rPr lang="pt-BR" sz="1600" dirty="0"/>
+              <a:t> ​ -​ ​ O​ ​ sistema deve​​ ​permitir o​ ​​gerenciamento​ ​da​ ​agenda​ ​da ​​diarista;</a:t>
+            </a:r>
+          </a:p>
+          <a:p>
+            <a:r>
+              <a:rPr lang="pt-BR" sz="1600" dirty="0"/>
+              <a:t>Motivo: A criação de uma agenda e muito trabalhosa, portanto decidimos deixar de lado esse requisito, e deixar por conta da própria diarista administrar seu horário.</a:t>
+            </a:r>
+          </a:p>
+          <a:p>
+            <a:pPr marL="0" indent="0">
+              <a:buNone/>
+            </a:pPr>
+            <a:endParaRPr lang="pt-BR" sz="1600" dirty="0"/>
+          </a:p>
+        </p:txBody>
+      </p:sp>
+    </p:spTree>
+    <p:extLst>
+      <p:ext uri="{BB962C8B-B14F-4D97-AF65-F5344CB8AC3E}">
+        <p14:creationId xmlns:p14="http://schemas.microsoft.com/office/powerpoint/2010/main" val="433260567"/>
+      </p:ext>
+    </p:extLst>
+  </p:cSld>
+  <p:clrMapOvr>
+    <a:masterClrMapping/>
+  </p:clrMapOvr>
+</p:sld>
+</file>
+
+<file path=ppt/slides/slide7.xml><?xml version="1.0" encoding="utf-8"?>
+<p:sld xmlns:a="http://schemas.openxmlformats.org/drawingml/2006/main" xmlns:r="http://schemas.openxmlformats.org/officeDocument/2006/relationships" xmlns:p="http://schemas.openxmlformats.org/presentationml/2006/main">
+  <p:cSld>
+    <p:spTree>
+      <p:nvGrpSpPr>
+        <p:cNvPr id="1" name=""/>
+        <p:cNvGrpSpPr/>
+        <p:nvPr/>
+      </p:nvGrpSpPr>
+      <p:grpSpPr>
+        <a:xfrm>
+          <a:off x="0" y="0"/>
+          <a:ext cx="0" cy="0"/>
+          <a:chOff x="0" y="0"/>
+          <a:chExt cx="0" cy="0"/>
+        </a:xfrm>
+      </p:grpSpPr>
+      <p:sp>
+        <p:nvSpPr>
+          <p:cNvPr id="3" name="Espaço Reservado para Conteúdo 2"/>
+          <p:cNvSpPr>
+            <a:spLocks noGrp="1"/>
+          </p:cNvSpPr>
+          <p:nvPr>
+            <p:ph idx="1"/>
+          </p:nvPr>
+        </p:nvSpPr>
+        <p:spPr/>
+        <p:txBody>
+          <a:bodyPr/>
+          <a:lstStyle/>
+          <a:p>
+            <a:r>
+              <a:rPr lang="pt-BR" sz="1600" b="1" dirty="0"/>
+              <a:t>RF09</a:t>
+            </a:r>
+            <a:r>
+              <a:rPr lang="pt-BR" sz="1600" dirty="0"/>
+              <a:t> ​ -​ ​ O​ ​ sistema​ deve​ permitir ​​o​ ​usuário ​selecionar a​​ diarista; ​</a:t>
+            </a:r>
+          </a:p>
+          <a:p>
+            <a:pPr marL="0" indent="0">
+              <a:buNone/>
+            </a:pPr>
+            <a:r>
+              <a:rPr lang="pt-BR" sz="1600" dirty="0"/>
+              <a:t>Motivo: Decidimos modificar, a principal proposta da nossa aplicação, de início ela serviria para contração de diaristas, porém, agora ela serve para facilitar a busca de diaristas, portanto, não vimos necessidade da implantação desse requisito.</a:t>
+            </a:r>
+          </a:p>
+          <a:p>
+            <a:r>
+              <a:rPr lang="pt-BR" sz="1600" b="1" dirty="0"/>
+              <a:t>RF10</a:t>
+            </a:r>
+            <a:r>
+              <a:rPr lang="pt-BR" sz="1600" dirty="0"/>
+              <a:t>​ -​ ​ ​O​ ​sistema​ ​deve​ ​permitir​ o​ ​​usuário​ ​descrever​ ​o​ ​serviço ​​solicitado;</a:t>
+            </a:r>
+          </a:p>
+          <a:p>
+            <a:pPr marL="0" indent="0">
+              <a:buNone/>
+            </a:pPr>
+            <a:r>
+              <a:rPr lang="pt-BR" sz="1600" dirty="0"/>
+              <a:t>Motivo: a explicação do motivo desse requisito e igual ao de número 09.</a:t>
+            </a:r>
+          </a:p>
+          <a:p>
+            <a:r>
+              <a:rPr lang="pt-BR" sz="1600" b="1" dirty="0"/>
+              <a:t>RF11</a:t>
+            </a:r>
+            <a:r>
+              <a:rPr lang="pt-BR" sz="1600" dirty="0"/>
+              <a:t>​ ​-​ ​O​ ​sistema​ ​deve​ ​permitir​ ​a​ ​diarista​ ​aprovar​ ​ou​ não​	 ​ ​o​ serviço​	 ​ ​solicitado;</a:t>
+            </a:r>
+          </a:p>
+          <a:p>
+            <a:pPr marL="0" indent="0">
+              <a:buNone/>
+            </a:pPr>
+            <a:r>
+              <a:rPr lang="en-US" sz="1600" dirty="0"/>
+              <a:t>M</a:t>
+            </a:r>
+            <a:r>
+              <a:rPr lang="pt-BR" sz="1600" dirty="0" err="1"/>
+              <a:t>otivo</a:t>
+            </a:r>
+            <a:r>
+              <a:rPr lang="pt-BR" sz="1600" dirty="0"/>
+              <a:t>: a explicação do motivo desse requisito e igual ao de número 09.</a:t>
+            </a:r>
+          </a:p>
           <a:p>
             <a:r>
               <a:rPr lang="pt-BR" sz="1600" b="1" dirty="0"/>
@@ -4116,7 +4241,7 @@
             </a:r>
             <a:r>
               <a:rPr lang="pt-BR" sz="1600" dirty="0"/>
-              <a:t> ​ -​ ​ O​ ​ sistema​ deve​ permitir que​ o​​ ​usuário ​negocie o​ ​ valor​ proposto; ​</a:t>
+              <a:t> ​ -​ ​ O​ ​ sistema​​ deve​​ ​permitir que o​​ ​usuário ​negocie o​ ​ valor​ proposto; ​</a:t>
             </a:r>
           </a:p>
           <a:p>
@@ -4127,48 +4252,6 @@
               <a:rPr lang="pt-BR" sz="1600" dirty="0"/>
               <a:t>Motivo: Após analisarmos novamente esse requisito notamos que poderia ficar confuso, e até mesmo frustrante para quem está contratando um serviço, pois poderia demorar para receber uma resposta do trabalhador.</a:t>
             </a:r>
-            <a:endParaRPr lang="pt-BR" sz="1600" b="1" dirty="0"/>
-          </a:p>
-          <a:p>
-            <a:r>
-              <a:rPr lang="pt-BR" sz="1600" b="1" dirty="0"/>
-              <a:t>RF14</a:t>
-            </a:r>
-            <a:r>
-              <a:rPr lang="pt-BR" sz="1600" dirty="0"/>
-              <a:t> ​ -​ ​ ​O ​ sistema deve​ ​​permitir​ ​avaliação​ ​da ​​diarista​ ​após ​ ​o ​ ​serviço;</a:t>
-            </a:r>
-          </a:p>
-          <a:p>
-            <a:pPr marL="0" indent="0">
-              <a:buNone/>
-            </a:pPr>
-            <a:r>
-              <a:rPr lang="pt-BR" sz="1600" dirty="0"/>
-              <a:t>Motivo: Decidimos retirar essa funcionalidade pois não agregaria muito para o nosso projeto, apenas o atrasando.</a:t>
-            </a:r>
-          </a:p>
-          <a:p>
-            <a:r>
-              <a:rPr lang="pt-BR" sz="1600" b="1" dirty="0"/>
-              <a:t>RF15</a:t>
-            </a:r>
-            <a:r>
-              <a:rPr lang="pt-BR" sz="1600" dirty="0"/>
-              <a:t> ​ -​ ​ O​ ​ sistema​ ​ ​deve gerenciar​​ o​ pagamento​ ​entre​ o​​ usuário​ ​e​ ​a​ ​diarista;</a:t>
-            </a:r>
-          </a:p>
-          <a:p>
-            <a:pPr marL="0" indent="0">
-              <a:buNone/>
-            </a:pPr>
-            <a:r>
-              <a:rPr lang="pt-BR" sz="1600" dirty="0"/>
-              <a:t>Motivo: A criação de uma plataforma de pagamento online, e demorada e trabalhosa, e pode acabar gerando mais problemas, portanto decidimos que o pagamento será feito in loco, diretamente com a diarista.</a:t>
-            </a:r>
-          </a:p>
-          <a:p>
-            <a:endParaRPr lang="pt-BR" sz="1600" dirty="0"/>
           </a:p>
         </p:txBody>
       </p:sp>
@@ -4177,7 +4260,139 @@
           <p:cNvPr id="5" name="Título 4">
             <a:extLst>
               <a:ext uri="{FF2B5EF4-FFF2-40B4-BE49-F238E27FC236}">
-                <a16:creationId xmlns:a16="http://schemas.microsoft.com/office/drawing/2014/main" xmlns="" id="{174CC966-ABBB-4D0A-A13D-F4EA28A71503}"/>
+                <a16:creationId xmlns:a16="http://schemas.microsoft.com/office/drawing/2014/main" id="{33C8FABA-5E42-46D1-B3B0-687B4208906A}"/>
+              </a:ext>
+            </a:extLst>
+          </p:cNvPr>
+          <p:cNvSpPr>
+            <a:spLocks noGrp="1"/>
+          </p:cNvSpPr>
+          <p:nvPr>
+            <p:ph type="title"/>
+          </p:nvPr>
+        </p:nvSpPr>
+        <p:spPr/>
+        <p:txBody>
+          <a:bodyPr/>
+          <a:lstStyle/>
+          <a:p>
+            <a:endParaRPr lang="pt-BR"/>
+          </a:p>
+        </p:txBody>
+      </p:sp>
+    </p:spTree>
+    <p:extLst>
+      <p:ext uri="{BB962C8B-B14F-4D97-AF65-F5344CB8AC3E}">
+        <p14:creationId xmlns:p14="http://schemas.microsoft.com/office/powerpoint/2010/main" val="4022399268"/>
+      </p:ext>
+    </p:extLst>
+  </p:cSld>
+  <p:clrMapOvr>
+    <a:masterClrMapping/>
+  </p:clrMapOvr>
+</p:sld>
+</file>
+
+<file path=ppt/slides/slide8.xml><?xml version="1.0" encoding="utf-8"?>
+<p:sld xmlns:a="http://schemas.openxmlformats.org/drawingml/2006/main" xmlns:r="http://schemas.openxmlformats.org/officeDocument/2006/relationships" xmlns:p="http://schemas.openxmlformats.org/presentationml/2006/main">
+  <p:cSld>
+    <p:spTree>
+      <p:nvGrpSpPr>
+        <p:cNvPr id="1" name=""/>
+        <p:cNvGrpSpPr/>
+        <p:nvPr/>
+      </p:nvGrpSpPr>
+      <p:grpSpPr>
+        <a:xfrm>
+          <a:off x="0" y="0"/>
+          <a:ext cx="0" cy="0"/>
+          <a:chOff x="0" y="0"/>
+          <a:chExt cx="0" cy="0"/>
+        </a:xfrm>
+      </p:grpSpPr>
+      <p:sp>
+        <p:nvSpPr>
+          <p:cNvPr id="3" name="Espaço Reservado para Conteúdo 2"/>
+          <p:cNvSpPr>
+            <a:spLocks noGrp="1"/>
+          </p:cNvSpPr>
+          <p:nvPr>
+            <p:ph idx="1"/>
+          </p:nvPr>
+        </p:nvSpPr>
+        <p:spPr/>
+        <p:txBody>
+          <a:bodyPr/>
+          <a:lstStyle/>
+          <a:p>
+            <a:r>
+              <a:rPr lang="pt-BR" sz="1600" b="1" dirty="0"/>
+              <a:t>RF13</a:t>
+            </a:r>
+            <a:r>
+              <a:rPr lang="pt-BR" sz="1600" dirty="0"/>
+              <a:t> ​ -​ ​ O​ ​ sistema​ deve​ permitir que​ o​​ ​usuário ​negocie o​ ​ valor​ proposto; ​</a:t>
+            </a:r>
+          </a:p>
+          <a:p>
+            <a:pPr marL="0" indent="0">
+              <a:buNone/>
+            </a:pPr>
+            <a:r>
+              <a:rPr lang="pt-BR" sz="1600" dirty="0"/>
+              <a:t>Motivo: Após analisarmos novamente esse requisito notamos que poderia ficar confuso, e até mesmo frustrante para quem está contratando um serviço, pois poderia demorar para receber uma resposta do trabalhador.</a:t>
+            </a:r>
+            <a:endParaRPr lang="pt-BR" sz="1600" b="1" dirty="0"/>
+          </a:p>
+          <a:p>
+            <a:r>
+              <a:rPr lang="pt-BR" sz="1600" b="1" dirty="0"/>
+              <a:t>RF14</a:t>
+            </a:r>
+            <a:r>
+              <a:rPr lang="pt-BR" sz="1600" dirty="0"/>
+              <a:t> ​ -​ ​ ​O ​ sistema deve​ ​​permitir​ ​avaliação​ ​da ​​diarista​ ​após ​ ​o ​ ​serviço;</a:t>
+            </a:r>
+          </a:p>
+          <a:p>
+            <a:pPr marL="0" indent="0">
+              <a:buNone/>
+            </a:pPr>
+            <a:r>
+              <a:rPr lang="pt-BR" sz="1600" dirty="0"/>
+              <a:t>Motivo: Decidimos retirar essa funcionalidade pois não agregaria muito para o nosso projeto, apenas o atrasando.</a:t>
+            </a:r>
+          </a:p>
+          <a:p>
+            <a:r>
+              <a:rPr lang="pt-BR" sz="1600" b="1" dirty="0"/>
+              <a:t>RF15</a:t>
+            </a:r>
+            <a:r>
+              <a:rPr lang="pt-BR" sz="1600" dirty="0"/>
+              <a:t> ​ -​ ​ O​ ​ sistema​ ​ ​deve gerenciar​​ o​ pagamento​ ​entre​ o​​ usuário​ ​e​ ​a​ ​diarista;</a:t>
+            </a:r>
+          </a:p>
+          <a:p>
+            <a:pPr marL="0" indent="0">
+              <a:buNone/>
+            </a:pPr>
+            <a:r>
+              <a:rPr lang="pt-BR" sz="1600" dirty="0"/>
+              <a:t>Motivo: A criação de uma plataforma de pagamento online, e demorada e trabalhosa, e pode acabar gerando mais problemas, portanto decidimos que o pagamento será feito in loco, diretamente com a diarista.</a:t>
+            </a:r>
+          </a:p>
+          <a:p>
+            <a:endParaRPr lang="pt-BR" sz="1600" dirty="0"/>
+          </a:p>
+        </p:txBody>
+      </p:sp>
+      <p:sp>
+        <p:nvSpPr>
+          <p:cNvPr id="5" name="Título 4">
+            <a:extLst>
+              <a:ext uri="{FF2B5EF4-FFF2-40B4-BE49-F238E27FC236}">
+                <a16:creationId xmlns:a16="http://schemas.microsoft.com/office/drawing/2014/main" id="{174CC966-ABBB-4D0A-A13D-F4EA28A71503}"/>
               </a:ext>
             </a:extLst>
           </p:cNvPr>

--- a/Docs/Projeto de software apresentação.pptx
+++ b/Docs/Projeto de software apresentação.pptx
@@ -9,10 +9,10 @@
     <p:sldId id="297" r:id="rId3"/>
     <p:sldId id="298" r:id="rId4"/>
     <p:sldId id="295" r:id="rId5"/>
-    <p:sldId id="296" r:id="rId6"/>
-    <p:sldId id="292" r:id="rId7"/>
-    <p:sldId id="293" r:id="rId8"/>
-    <p:sldId id="294" r:id="rId9"/>
+    <p:sldId id="292" r:id="rId6"/>
+    <p:sldId id="293" r:id="rId7"/>
+    <p:sldId id="294" r:id="rId8"/>
+    <p:sldId id="296" r:id="rId9"/>
   </p:sldIdLst>
   <p:sldSz cx="9144000" cy="6858000" type="screen4x3"/>
   <p:notesSz cx="6858000" cy="9144000"/>
@@ -3574,19 +3574,12 @@
           </a:p>
           <a:p>
             <a:r>
+              <a:rPr lang="pt-BR" sz="2800" dirty="0" smtClean="0"/>
+              <a:t>Rafael </a:t>
+            </a:r>
+            <a:r>
               <a:rPr lang="pt-BR" sz="2800" dirty="0"/>
-              <a:t>Milena </a:t>
-            </a:r>
-            <a:r>
-              <a:rPr lang="pt-BR" sz="2800" dirty="0" err="1"/>
-              <a:t>Greuel</a:t>
-            </a:r>
-            <a:endParaRPr lang="pt-BR" sz="2800" dirty="0"/>
-          </a:p>
-          <a:p>
-            <a:r>
-              <a:rPr lang="pt-BR" sz="2800" dirty="0"/>
-              <a:t>Rafael Rossi</a:t>
+              <a:t>Rossi</a:t>
             </a:r>
           </a:p>
         </p:txBody>
@@ -3626,7 +3619,7 @@
           <p:cNvPr id="2" name="Título 1">
             <a:extLst>
               <a:ext uri="{FF2B5EF4-FFF2-40B4-BE49-F238E27FC236}">
-                <a16:creationId xmlns:a16="http://schemas.microsoft.com/office/drawing/2014/main" id="{3C234A29-E8FF-4491-8BFF-FFE25667FEAE}"/>
+                <a16:creationId xmlns:a16="http://schemas.microsoft.com/office/drawing/2014/main" xmlns="" id="{3C234A29-E8FF-4491-8BFF-FFE25667FEAE}"/>
               </a:ext>
             </a:extLst>
           </p:cNvPr>
@@ -3651,7 +3644,7 @@
           <p:cNvPr id="3" name="Espaço Reservado para Conteúdo 2">
             <a:extLst>
               <a:ext uri="{FF2B5EF4-FFF2-40B4-BE49-F238E27FC236}">
-                <a16:creationId xmlns:a16="http://schemas.microsoft.com/office/drawing/2014/main" id="{316AAE21-D976-4044-A0BE-4ABD8784A36A}"/>
+                <a16:creationId xmlns:a16="http://schemas.microsoft.com/office/drawing/2014/main" xmlns="" id="{316AAE21-D976-4044-A0BE-4ABD8784A36A}"/>
               </a:ext>
             </a:extLst>
           </p:cNvPr>
@@ -3668,24 +3661,30 @@
           <a:lstStyle/>
           <a:p>
             <a:r>
+              <a:rPr lang="pt-BR" sz="3600" dirty="0"/>
+              <a:t>Qual o problema a ser resolvido</a:t>
+            </a:r>
+            <a:r>
+              <a:rPr lang="pt-BR" sz="3600" dirty="0" smtClean="0"/>
+              <a:t>?</a:t>
+            </a:r>
+          </a:p>
+          <a:p>
+            <a:endParaRPr lang="pt-BR" dirty="0"/>
+          </a:p>
+          <a:p>
+            <a:pPr marL="0" indent="0">
+              <a:buNone/>
+            </a:pPr>
+            <a:r>
               <a:rPr lang="pt-BR" dirty="0"/>
-              <a:t>Qual o problema a ser resolvido?</a:t>
-            </a:r>
-          </a:p>
-          <a:p>
-            <a:pPr marL="0" indent="0">
-              <a:buNone/>
-            </a:pPr>
+              <a:t>Encontrar </a:t>
+            </a:r>
+            <a:r>
+              <a:rPr lang="pt-BR" dirty="0" smtClean="0"/>
+              <a:t>uma diarista em qualquer cidade e conseguir os contatos dela.</a:t>
+            </a:r>
             <a:endParaRPr lang="pt-BR" dirty="0"/>
-          </a:p>
-          <a:p>
-            <a:pPr marL="0" indent="0">
-              <a:buNone/>
-            </a:pPr>
-            <a:r>
-              <a:rPr lang="pt-BR" dirty="0"/>
-              <a:t>Encontrar uma diarista que preste serviços de qualidade.</a:t>
-            </a:r>
           </a:p>
           <a:p>
             <a:endParaRPr lang="pt-BR" dirty="0"/>
@@ -3727,7 +3726,7 @@
           <p:cNvPr id="2" name="Título 1">
             <a:extLst>
               <a:ext uri="{FF2B5EF4-FFF2-40B4-BE49-F238E27FC236}">
-                <a16:creationId xmlns:a16="http://schemas.microsoft.com/office/drawing/2014/main" id="{020F12F3-62A7-4613-87E6-4D7E1CCA9845}"/>
+                <a16:creationId xmlns:a16="http://schemas.microsoft.com/office/drawing/2014/main" xmlns="" id="{020F12F3-62A7-4613-87E6-4D7E1CCA9845}"/>
               </a:ext>
             </a:extLst>
           </p:cNvPr>
@@ -3752,7 +3751,7 @@
           <p:cNvPr id="3" name="Espaço Reservado para Conteúdo 2">
             <a:extLst>
               <a:ext uri="{FF2B5EF4-FFF2-40B4-BE49-F238E27FC236}">
-                <a16:creationId xmlns:a16="http://schemas.microsoft.com/office/drawing/2014/main" id="{3A3EA881-9E54-4F0A-B90A-4F97DBEF1799}"/>
+                <a16:creationId xmlns:a16="http://schemas.microsoft.com/office/drawing/2014/main" xmlns="" id="{3A3EA881-9E54-4F0A-B90A-4F97DBEF1799}"/>
               </a:ext>
             </a:extLst>
           </p:cNvPr>
@@ -3769,29 +3768,40 @@
           <a:lstStyle/>
           <a:p>
             <a:r>
+              <a:rPr lang="pt-BR" sz="3600" dirty="0"/>
+              <a:t>Como o problema foi resolvido</a:t>
+            </a:r>
+            <a:r>
+              <a:rPr lang="pt-BR" sz="3600" dirty="0" smtClean="0"/>
+              <a:t>?</a:t>
+            </a:r>
+          </a:p>
+          <a:p>
+            <a:endParaRPr lang="pt-BR" sz="3600" dirty="0"/>
+          </a:p>
+          <a:p>
+            <a:pPr marL="0" indent="0">
+              <a:buNone/>
+            </a:pPr>
+            <a:r>
+              <a:rPr lang="en-US" dirty="0" smtClean="0"/>
+              <a:t>I</a:t>
+            </a:r>
+            <a:r>
+              <a:rPr lang="pt-BR" dirty="0" err="1" smtClean="0"/>
+              <a:t>mplementamos</a:t>
+            </a:r>
+            <a:r>
+              <a:rPr lang="pt-BR" dirty="0" smtClean="0"/>
+              <a:t> </a:t>
+            </a:r>
+            <a:r>
               <a:rPr lang="pt-BR" dirty="0"/>
-              <a:t>Como o problema foi resolvido?</a:t>
-            </a:r>
-          </a:p>
-          <a:p>
-            <a:pPr marL="0" indent="0">
-              <a:buNone/>
-            </a:pPr>
-            <a:r>
-              <a:rPr lang="en-US" dirty="0"/>
-              <a:t>I</a:t>
-            </a:r>
-            <a:r>
-              <a:rPr lang="pt-BR" dirty="0" err="1"/>
-              <a:t>mplementamos</a:t>
-            </a:r>
-            <a:r>
-              <a:rPr lang="pt-BR" dirty="0"/>
-              <a:t> </a:t>
-            </a:r>
-            <a:r>
-              <a:rPr lang="pt-BR"/>
-              <a:t>uma aplica</a:t>
+              <a:t>uma </a:t>
+            </a:r>
+            <a:r>
+              <a:rPr lang="pt-BR" dirty="0" smtClean="0"/>
+              <a:t>aplicação web que concentra os dados e características das diaristas.</a:t>
             </a:r>
             <a:endParaRPr lang="pt-BR" dirty="0"/>
           </a:p>
@@ -3832,7 +3842,7 @@
           <p:cNvPr id="2" name="Título 1">
             <a:extLst>
               <a:ext uri="{FF2B5EF4-FFF2-40B4-BE49-F238E27FC236}">
-                <a16:creationId xmlns:a16="http://schemas.microsoft.com/office/drawing/2014/main" id="{CCDD6B45-CFAE-4913-B0AA-36BEEA039225}"/>
+                <a16:creationId xmlns:a16="http://schemas.microsoft.com/office/drawing/2014/main" xmlns="" id="{CCDD6B45-CFAE-4913-B0AA-36BEEA039225}"/>
               </a:ext>
             </a:extLst>
           </p:cNvPr>
@@ -3857,7 +3867,7 @@
           <p:cNvPr id="3" name="Espaço Reservado para Conteúdo 2">
             <a:extLst>
               <a:ext uri="{FF2B5EF4-FFF2-40B4-BE49-F238E27FC236}">
-                <a16:creationId xmlns:a16="http://schemas.microsoft.com/office/drawing/2014/main" id="{A4807060-8104-421E-80C6-1CCEF10C57AE}"/>
+                <a16:creationId xmlns:a16="http://schemas.microsoft.com/office/drawing/2014/main" xmlns="" id="{A4807060-8104-421E-80C6-1CCEF10C57AE}"/>
               </a:ext>
             </a:extLst>
           </p:cNvPr>
@@ -3873,20 +3883,43 @@
           <a:bodyPr/>
           <a:lstStyle/>
           <a:p>
-            <a:pPr algn="ctr"/>
-            <a:endParaRPr lang="en-US" sz="5400" dirty="0"/>
-          </a:p>
-          <a:p>
-            <a:pPr algn="ctr"/>
-            <a:r>
-              <a:rPr lang="en-US" sz="5400" dirty="0" err="1"/>
+            <a:r>
+              <a:rPr lang="en-US" sz="3600" dirty="0" err="1" smtClean="0"/>
               <a:t>Benefíc</a:t>
             </a:r>
             <a:r>
-              <a:rPr lang="pt-BR" sz="5400" dirty="0" err="1"/>
+              <a:rPr lang="pt-BR" sz="3600" dirty="0" err="1" smtClean="0"/>
               <a:t>ios</a:t>
             </a:r>
-            <a:endParaRPr lang="pt-BR" sz="5400" dirty="0"/>
+            <a:endParaRPr lang="pt-BR" sz="3600" dirty="0" smtClean="0"/>
+          </a:p>
+          <a:p>
+            <a:pPr marL="0" indent="0">
+              <a:buNone/>
+            </a:pPr>
+            <a:r>
+              <a:rPr lang="pt-BR" sz="3600" dirty="0" smtClean="0"/>
+              <a:t>Facilidade de acesso</a:t>
+            </a:r>
+          </a:p>
+          <a:p>
+            <a:pPr marL="0" indent="0">
+              <a:buNone/>
+            </a:pPr>
+            <a:r>
+              <a:rPr lang="pt-BR" sz="3600" dirty="0" smtClean="0"/>
+              <a:t>Rapidez na busca de diaristas</a:t>
+            </a:r>
+          </a:p>
+          <a:p>
+            <a:pPr marL="0" indent="0">
+              <a:buNone/>
+            </a:pPr>
+            <a:r>
+              <a:rPr lang="pt-BR" sz="3600" dirty="0" smtClean="0"/>
+              <a:t>Bom nível de informações sobre o profissional</a:t>
+            </a:r>
+            <a:endParaRPr lang="pt-BR" sz="3600" dirty="0"/>
           </a:p>
         </p:txBody>
       </p:sp>
@@ -3922,13 +3955,7 @@
       </p:grpSpPr>
       <p:sp>
         <p:nvSpPr>
-          <p:cNvPr id="2" name="Título 1">
-            <a:extLst>
-              <a:ext uri="{FF2B5EF4-FFF2-40B4-BE49-F238E27FC236}">
-                <a16:creationId xmlns:a16="http://schemas.microsoft.com/office/drawing/2014/main" id="{28B8B80D-DF4C-4763-B3A1-6D2FD705727A}"/>
-              </a:ext>
-            </a:extLst>
-          </p:cNvPr>
+          <p:cNvPr id="2" name="Título 1"/>
           <p:cNvSpPr>
             <a:spLocks noGrp="1"/>
           </p:cNvSpPr>
@@ -3941,19 +3968,16 @@
           <a:bodyPr/>
           <a:lstStyle/>
           <a:p>
-            <a:endParaRPr lang="pt-BR"/>
-          </a:p>
-        </p:txBody>
-      </p:sp>
-      <p:sp>
-        <p:nvSpPr>
-          <p:cNvPr id="3" name="Espaço Reservado para Conteúdo 2">
-            <a:extLst>
-              <a:ext uri="{FF2B5EF4-FFF2-40B4-BE49-F238E27FC236}">
-                <a16:creationId xmlns:a16="http://schemas.microsoft.com/office/drawing/2014/main" id="{A10E79E9-EBB7-4FF6-A689-A12B433C6DCD}"/>
-              </a:ext>
-            </a:extLst>
-          </p:cNvPr>
+            <a:r>
+              <a:rPr lang="pt-BR" sz="3600" dirty="0"/>
+              <a:t>   Requisitos funcionais retirados</a:t>
+            </a:r>
+          </a:p>
+        </p:txBody>
+      </p:sp>
+      <p:sp>
+        <p:nvSpPr>
+          <p:cNvPr id="3" name="Espaço Reservado para Conteúdo 2"/>
           <p:cNvSpPr>
             <a:spLocks noGrp="1"/>
           </p:cNvSpPr>
@@ -3966,31 +3990,81 @@
           <a:bodyPr/>
           <a:lstStyle/>
           <a:p>
-            <a:pPr algn="ctr"/>
-            <a:endParaRPr lang="en-US" sz="5400" dirty="0"/>
-          </a:p>
-          <a:p>
-            <a:pPr algn="ctr"/>
-            <a:r>
-              <a:rPr lang="en-US" sz="5400" dirty="0"/>
-              <a:t>Como </a:t>
-            </a:r>
-            <a:r>
-              <a:rPr lang="en-US" sz="5400" dirty="0" err="1"/>
-              <a:t>funciona</a:t>
-            </a:r>
-            <a:r>
-              <a:rPr lang="en-US" sz="5400" dirty="0"/>
-              <a:t>?</a:t>
-            </a:r>
-            <a:endParaRPr lang="pt-BR" sz="5400" dirty="0"/>
+            <a:r>
+              <a:rPr lang="pt-BR" sz="1600" b="1" dirty="0"/>
+              <a:t>RF04</a:t>
+            </a:r>
+            <a:r>
+              <a:rPr lang="pt-BR" sz="1600" dirty="0"/>
+              <a:t> -​ ​ O​ ​ sistema​ deve​​ permitir​​ ​refinar​ ​a​ pesquisa por​ relevância; ​</a:t>
+            </a:r>
+          </a:p>
+          <a:p>
+            <a:r>
+              <a:rPr lang="pt-BR" sz="1600" dirty="0"/>
+              <a:t>Motivo: Não temos conhecimento suficiente para a implantação desse requisito.</a:t>
+            </a:r>
+          </a:p>
+          <a:p>
+            <a:r>
+              <a:rPr lang="pt-BR" sz="1600" b="1" dirty="0"/>
+              <a:t>RF05</a:t>
+            </a:r>
+            <a:r>
+              <a:rPr lang="pt-BR" sz="1600" dirty="0"/>
+              <a:t> -​ ​ O​ ​ sistema​ ​deve​ ​permitir​ ​refinar​ ​a​ ​pesquisa​ por​​ ​preço;</a:t>
+            </a:r>
+          </a:p>
+          <a:p>
+            <a:r>
+              <a:rPr lang="pt-BR" sz="1600" dirty="0"/>
+              <a:t>Motivo: Não temos conhecimento suficiente para a implantação desse requisito.</a:t>
+            </a:r>
+          </a:p>
+          <a:p>
+            <a:r>
+              <a:rPr lang="pt-BR" sz="1600" b="1" dirty="0"/>
+              <a:t>RF06</a:t>
+            </a:r>
+            <a:r>
+              <a:rPr lang="pt-BR" sz="1600" dirty="0"/>
+              <a:t> ​ -​ ​ O​ ​ sistema​ deve​ ​permitir a​ ​​consulta​ ​de​ ​diaristas​ ​por ​​agenda;</a:t>
+            </a:r>
+          </a:p>
+          <a:p>
+            <a:r>
+              <a:rPr lang="pt-BR" sz="1600" dirty="0"/>
+              <a:t>Motivo: Não temos conhecimento suficiente para a implantação desse requisito.</a:t>
+            </a:r>
+          </a:p>
+          <a:p>
+            <a:r>
+              <a:rPr lang="pt-BR" sz="1600" b="1" dirty="0"/>
+              <a:t>RF07</a:t>
+            </a:r>
+            <a:r>
+              <a:rPr lang="pt-BR" sz="1600" dirty="0"/>
+              <a:t> ​ -​ ​ O​ ​ sistema deve​​ ​permitir o​ ​​gerenciamento​ ​da​ ​agenda​ ​da ​​diarista;</a:t>
+            </a:r>
+          </a:p>
+          <a:p>
+            <a:r>
+              <a:rPr lang="pt-BR" sz="1600" dirty="0"/>
+              <a:t>Motivo: A criação de uma agenda e muito trabalhosa, portanto decidimos deixar de lado esse requisito, e deixar por conta da própria diarista administrar seu horário.</a:t>
+            </a:r>
+          </a:p>
+          <a:p>
+            <a:pPr marL="0" indent="0">
+              <a:buNone/>
+            </a:pPr>
+            <a:endParaRPr lang="pt-BR" sz="1600" dirty="0"/>
           </a:p>
         </p:txBody>
       </p:sp>
     </p:spTree>
     <p:extLst>
       <p:ext uri="{BB962C8B-B14F-4D97-AF65-F5344CB8AC3E}">
-        <p14:creationId xmlns:p14="http://schemas.microsoft.com/office/powerpoint/2010/main" val="216386268"/>
+        <p14:creationId xmlns:p14="http://schemas.microsoft.com/office/powerpoint/2010/main" val="433260567"/>
       </p:ext>
     </p:extLst>
   </p:cSld>
@@ -4019,11 +4093,117 @@
       </p:grpSpPr>
       <p:sp>
         <p:nvSpPr>
-          <p:cNvPr id="2" name="Título 1"/>
+          <p:cNvPr id="3" name="Espaço Reservado para Conteúdo 2"/>
           <p:cNvSpPr>
             <a:spLocks noGrp="1"/>
           </p:cNvSpPr>
           <p:nvPr>
+            <p:ph idx="1"/>
+          </p:nvPr>
+        </p:nvSpPr>
+        <p:spPr/>
+        <p:txBody>
+          <a:bodyPr/>
+          <a:lstStyle/>
+          <a:p>
+            <a:r>
+              <a:rPr lang="pt-BR" sz="1600" b="1" dirty="0"/>
+              <a:t>RF09</a:t>
+            </a:r>
+            <a:r>
+              <a:rPr lang="pt-BR" sz="1600" dirty="0"/>
+              <a:t> ​ -​ ​ O​ ​ sistema​ deve​ permitir ​​o​ ​usuário ​selecionar a​​ diarista; ​</a:t>
+            </a:r>
+          </a:p>
+          <a:p>
+            <a:pPr marL="0" indent="0">
+              <a:buNone/>
+            </a:pPr>
+            <a:r>
+              <a:rPr lang="pt-BR" sz="1600" dirty="0"/>
+              <a:t>Motivo: Decidimos modificar, a principal proposta da nossa aplicação, de início ela serviria para contração de diaristas, porém, agora ela serve para facilitar a busca de diaristas, portanto, não vimos necessidade da implantação desse requisito.</a:t>
+            </a:r>
+          </a:p>
+          <a:p>
+            <a:r>
+              <a:rPr lang="pt-BR" sz="1600" b="1" dirty="0"/>
+              <a:t>RF10</a:t>
+            </a:r>
+            <a:r>
+              <a:rPr lang="pt-BR" sz="1600" dirty="0"/>
+              <a:t>​ -​ ​ ​O​ ​sistema​ ​deve​ ​permitir​ o​ ​​usuário​ ​descrever​ ​o​ ​serviço ​​solicitado;</a:t>
+            </a:r>
+          </a:p>
+          <a:p>
+            <a:pPr marL="0" indent="0">
+              <a:buNone/>
+            </a:pPr>
+            <a:r>
+              <a:rPr lang="pt-BR" sz="1600" dirty="0"/>
+              <a:t>Motivo: a explicação do motivo desse requisito e igual ao de número 09.</a:t>
+            </a:r>
+          </a:p>
+          <a:p>
+            <a:r>
+              <a:rPr lang="pt-BR" sz="1600" b="1" dirty="0"/>
+              <a:t>RF11</a:t>
+            </a:r>
+            <a:r>
+              <a:rPr lang="pt-BR" sz="1600" dirty="0"/>
+              <a:t>​ ​-​ ​O​ ​sistema​ ​deve​ ​permitir​ ​a​ ​diarista​ ​aprovar​ ​ou​ não​	 ​ ​o​ serviço​	 ​ ​solicitado;</a:t>
+            </a:r>
+          </a:p>
+          <a:p>
+            <a:pPr marL="0" indent="0">
+              <a:buNone/>
+            </a:pPr>
+            <a:r>
+              <a:rPr lang="en-US" sz="1600" dirty="0"/>
+              <a:t>M</a:t>
+            </a:r>
+            <a:r>
+              <a:rPr lang="pt-BR" sz="1600" dirty="0" err="1"/>
+              <a:t>otivo</a:t>
+            </a:r>
+            <a:r>
+              <a:rPr lang="pt-BR" sz="1600" dirty="0"/>
+              <a:t>: a explicação do motivo desse requisito e igual ao de número 09.</a:t>
+            </a:r>
+          </a:p>
+          <a:p>
+            <a:r>
+              <a:rPr lang="pt-BR" sz="1600" b="1" dirty="0"/>
+              <a:t>RF13</a:t>
+            </a:r>
+            <a:r>
+              <a:rPr lang="pt-BR" sz="1600" dirty="0"/>
+              <a:t> ​ -​ ​ O​ ​ sistema​​ deve​​ ​permitir que o​​ ​usuário ​negocie o​ ​ valor​ proposto; ​</a:t>
+            </a:r>
+          </a:p>
+          <a:p>
+            <a:pPr marL="0" indent="0">
+              <a:buNone/>
+            </a:pPr>
+            <a:r>
+              <a:rPr lang="pt-BR" sz="1600" dirty="0"/>
+              <a:t>Motivo: Após analisarmos novamente esse requisito notamos que poderia ficar confuso, e até mesmo frustrante para quem está contratando um serviço, pois poderia demorar para receber uma resposta do trabalhador.</a:t>
+            </a:r>
+          </a:p>
+        </p:txBody>
+      </p:sp>
+      <p:sp>
+        <p:nvSpPr>
+          <p:cNvPr id="5" name="Título 4">
+            <a:extLst>
+              <a:ext uri="{FF2B5EF4-FFF2-40B4-BE49-F238E27FC236}">
+                <a16:creationId xmlns:a16="http://schemas.microsoft.com/office/drawing/2014/main" xmlns="" id="{33C8FABA-5E42-46D1-B3B0-687B4208906A}"/>
+              </a:ext>
+            </a:extLst>
+          </p:cNvPr>
+          <p:cNvSpPr>
+            <a:spLocks noGrp="1"/>
+          </p:cNvSpPr>
+          <p:nvPr>
             <p:ph type="title"/>
           </p:nvPr>
         </p:nvSpPr>
@@ -4032,103 +4212,14 @@
           <a:bodyPr/>
           <a:lstStyle/>
           <a:p>
-            <a:r>
-              <a:rPr lang="pt-BR" sz="3600" dirty="0"/>
-              <a:t>   Requisitos funcionais retirados</a:t>
-            </a:r>
-          </a:p>
-        </p:txBody>
-      </p:sp>
-      <p:sp>
-        <p:nvSpPr>
-          <p:cNvPr id="3" name="Espaço Reservado para Conteúdo 2"/>
-          <p:cNvSpPr>
-            <a:spLocks noGrp="1"/>
-          </p:cNvSpPr>
-          <p:nvPr>
-            <p:ph idx="1"/>
-          </p:nvPr>
-        </p:nvSpPr>
-        <p:spPr/>
-        <p:txBody>
-          <a:bodyPr/>
-          <a:lstStyle/>
-          <a:p>
-            <a:r>
-              <a:rPr lang="pt-BR" sz="1600" b="1" dirty="0"/>
-              <a:t>RF04</a:t>
-            </a:r>
-            <a:r>
-              <a:rPr lang="pt-BR" sz="1600" dirty="0"/>
-              <a:t> -​ ​ O​ ​ sistema​ deve​​ permitir​​ ​refinar​ ​a​ pesquisa por​ relevância; ​</a:t>
-            </a:r>
-          </a:p>
-          <a:p>
-            <a:r>
-              <a:rPr lang="pt-BR" sz="1600" dirty="0"/>
-              <a:t>Motivo: Não temos conhecimento suficiente para a implantação desse requisito.</a:t>
-            </a:r>
-          </a:p>
-          <a:p>
-            <a:r>
-              <a:rPr lang="pt-BR" sz="1600" b="1" dirty="0"/>
-              <a:t>RF05</a:t>
-            </a:r>
-            <a:r>
-              <a:rPr lang="pt-BR" sz="1600" dirty="0"/>
-              <a:t> -​ ​ O​ ​ sistema​ ​deve​ ​permitir​ ​refinar​ ​a​ ​pesquisa​ por​​ ​preço;</a:t>
-            </a:r>
-          </a:p>
-          <a:p>
-            <a:r>
-              <a:rPr lang="pt-BR" sz="1600" dirty="0"/>
-              <a:t>Motivo: Não temos conhecimento suficiente para a implantação desse requisito.</a:t>
-            </a:r>
-          </a:p>
-          <a:p>
-            <a:r>
-              <a:rPr lang="pt-BR" sz="1600" b="1" dirty="0"/>
-              <a:t>RF06</a:t>
-            </a:r>
-            <a:r>
-              <a:rPr lang="pt-BR" sz="1600" dirty="0"/>
-              <a:t> ​ -​ ​ O​ ​ sistema​ deve​ ​permitir a​ ​​consulta​ ​de​ ​diaristas​ ​por ​​agenda;</a:t>
-            </a:r>
-          </a:p>
-          <a:p>
-            <a:r>
-              <a:rPr lang="pt-BR" sz="1600" dirty="0"/>
-              <a:t>Motivo: Não temos conhecimento suficiente para a implantação desse requisito.</a:t>
-            </a:r>
-          </a:p>
-          <a:p>
-            <a:r>
-              <a:rPr lang="pt-BR" sz="1600" b="1" dirty="0"/>
-              <a:t>RF07</a:t>
-            </a:r>
-            <a:r>
-              <a:rPr lang="pt-BR" sz="1600" dirty="0"/>
-              <a:t> ​ -​ ​ O​ ​ sistema deve​​ ​permitir o​ ​​gerenciamento​ ​da​ ​agenda​ ​da ​​diarista;</a:t>
-            </a:r>
-          </a:p>
-          <a:p>
-            <a:r>
-              <a:rPr lang="pt-BR" sz="1600" dirty="0"/>
-              <a:t>Motivo: A criação de uma agenda e muito trabalhosa, portanto decidimos deixar de lado esse requisito, e deixar por conta da própria diarista administrar seu horário.</a:t>
-            </a:r>
-          </a:p>
-          <a:p>
-            <a:pPr marL="0" indent="0">
-              <a:buNone/>
-            </a:pPr>
-            <a:endParaRPr lang="pt-BR" sz="1600" dirty="0"/>
+            <a:endParaRPr lang="pt-BR"/>
           </a:p>
         </p:txBody>
       </p:sp>
     </p:spTree>
     <p:extLst>
       <p:ext uri="{BB962C8B-B14F-4D97-AF65-F5344CB8AC3E}">
-        <p14:creationId xmlns:p14="http://schemas.microsoft.com/office/powerpoint/2010/main" val="433260567"/>
+        <p14:creationId xmlns:p14="http://schemas.microsoft.com/office/powerpoint/2010/main" val="4022399268"/>
       </p:ext>
     </p:extLst>
   </p:cSld>
@@ -4172,76 +4263,11 @@
           <a:p>
             <a:r>
               <a:rPr lang="pt-BR" sz="1600" b="1" dirty="0"/>
-              <a:t>RF09</a:t>
+              <a:t>RF13</a:t>
             </a:r>
             <a:r>
               <a:rPr lang="pt-BR" sz="1600" dirty="0"/>
-              <a:t> ​ -​ ​ O​ ​ sistema​ deve​ permitir ​​o​ ​usuário ​selecionar a​​ diarista; ​</a:t>
-            </a:r>
-          </a:p>
-          <a:p>
-            <a:pPr marL="0" indent="0">
-              <a:buNone/>
-            </a:pPr>
-            <a:r>
-              <a:rPr lang="pt-BR" sz="1600" dirty="0"/>
-              <a:t>Motivo: Decidimos modificar, a principal proposta da nossa aplicação, de início ela serviria para contração de diaristas, porém, agora ela serve para facilitar a busca de diaristas, portanto, não vimos necessidade da implantação desse requisito.</a:t>
-            </a:r>
-          </a:p>
-          <a:p>
-            <a:r>
-              <a:rPr lang="pt-BR" sz="1600" b="1" dirty="0"/>
-              <a:t>RF10</a:t>
-            </a:r>
-            <a:r>
-              <a:rPr lang="pt-BR" sz="1600" dirty="0"/>
-              <a:t>​ -​ ​ ​O​ ​sistema​ ​deve​ ​permitir​ o​ ​​usuário​ ​descrever​ ​o​ ​serviço ​​solicitado;</a:t>
-            </a:r>
-          </a:p>
-          <a:p>
-            <a:pPr marL="0" indent="0">
-              <a:buNone/>
-            </a:pPr>
-            <a:r>
-              <a:rPr lang="pt-BR" sz="1600" dirty="0"/>
-              <a:t>Motivo: a explicação do motivo desse requisito e igual ao de número 09.</a:t>
-            </a:r>
-          </a:p>
-          <a:p>
-            <a:r>
-              <a:rPr lang="pt-BR" sz="1600" b="1" dirty="0"/>
-              <a:t>RF11</a:t>
-            </a:r>
-            <a:r>
-              <a:rPr lang="pt-BR" sz="1600" dirty="0"/>
-              <a:t>​ ​-​ ​O​ ​sistema​ ​deve​ ​permitir​ ​a​ ​diarista​ ​aprovar​ ​ou​ não​	 ​ ​o​ serviço​	 ​ ​solicitado;</a:t>
-            </a:r>
-          </a:p>
-          <a:p>
-            <a:pPr marL="0" indent="0">
-              <a:buNone/>
-            </a:pPr>
-            <a:r>
-              <a:rPr lang="en-US" sz="1600" dirty="0"/>
-              <a:t>M</a:t>
-            </a:r>
-            <a:r>
-              <a:rPr lang="pt-BR" sz="1600" dirty="0" err="1"/>
-              <a:t>otivo</a:t>
-            </a:r>
-            <a:r>
-              <a:rPr lang="pt-BR" sz="1600" dirty="0"/>
-              <a:t>: a explicação do motivo desse requisito e igual ao de número 09.</a:t>
-            </a:r>
-          </a:p>
-          <a:p>
-            <a:r>
-              <a:rPr lang="pt-BR" sz="1600" b="1" dirty="0"/>
-              <a:t>RF13</a:t>
-            </a:r>
-            <a:r>
-              <a:rPr lang="pt-BR" sz="1600" dirty="0"/>
-              <a:t> ​ -​ ​ O​ ​ sistema​​ deve​​ ​permitir que o​​ ​usuário ​negocie o​ ​ valor​ proposto; ​</a:t>
+              <a:t> ​ -​ ​ O​ ​ sistema​ deve​ permitir que​ o​​ ​usuário ​negocie o​ ​ valor​ proposto; ​</a:t>
             </a:r>
           </a:p>
           <a:p>
@@ -4252,6 +4278,48 @@
               <a:rPr lang="pt-BR" sz="1600" dirty="0"/>
               <a:t>Motivo: Após analisarmos novamente esse requisito notamos que poderia ficar confuso, e até mesmo frustrante para quem está contratando um serviço, pois poderia demorar para receber uma resposta do trabalhador.</a:t>
             </a:r>
+            <a:endParaRPr lang="pt-BR" sz="1600" b="1" dirty="0"/>
+          </a:p>
+          <a:p>
+            <a:r>
+              <a:rPr lang="pt-BR" sz="1600" b="1" dirty="0"/>
+              <a:t>RF14</a:t>
+            </a:r>
+            <a:r>
+              <a:rPr lang="pt-BR" sz="1600" dirty="0"/>
+              <a:t> ​ -​ ​ ​O ​ sistema deve​ ​​permitir​ ​avaliação​ ​da ​​diarista​ ​após ​ ​o ​ ​serviço;</a:t>
+            </a:r>
+          </a:p>
+          <a:p>
+            <a:pPr marL="0" indent="0">
+              <a:buNone/>
+            </a:pPr>
+            <a:r>
+              <a:rPr lang="pt-BR" sz="1600" dirty="0"/>
+              <a:t>Motivo: Decidimos retirar essa funcionalidade pois não agregaria muito para o nosso projeto, apenas o atrasando.</a:t>
+            </a:r>
+          </a:p>
+          <a:p>
+            <a:r>
+              <a:rPr lang="pt-BR" sz="1600" b="1" dirty="0"/>
+              <a:t>RF15</a:t>
+            </a:r>
+            <a:r>
+              <a:rPr lang="pt-BR" sz="1600" dirty="0"/>
+              <a:t> ​ -​ ​ O​ ​ sistema​ ​ ​deve gerenciar​​ o​ pagamento​ ​entre​ o​​ usuário​ ​e​ ​a​ ​diarista;</a:t>
+            </a:r>
+          </a:p>
+          <a:p>
+            <a:pPr marL="0" indent="0">
+              <a:buNone/>
+            </a:pPr>
+            <a:r>
+              <a:rPr lang="pt-BR" sz="1600" dirty="0"/>
+              <a:t>Motivo: A criação de uma plataforma de pagamento online, e demorada e trabalhosa, e pode acabar gerando mais problemas, portanto decidimos que o pagamento será feito in loco, diretamente com a diarista.</a:t>
+            </a:r>
+          </a:p>
+          <a:p>
+            <a:endParaRPr lang="pt-BR" sz="1600" dirty="0"/>
           </a:p>
         </p:txBody>
       </p:sp>
@@ -4260,7 +4328,7 @@
           <p:cNvPr id="5" name="Título 4">
             <a:extLst>
               <a:ext uri="{FF2B5EF4-FFF2-40B4-BE49-F238E27FC236}">
-                <a16:creationId xmlns:a16="http://schemas.microsoft.com/office/drawing/2014/main" id="{33C8FABA-5E42-46D1-B3B0-687B4208906A}"/>
+                <a16:creationId xmlns:a16="http://schemas.microsoft.com/office/drawing/2014/main" xmlns="" id="{174CC966-ABBB-4D0A-A13D-F4EA28A71503}"/>
               </a:ext>
             </a:extLst>
           </p:cNvPr>
@@ -4283,7 +4351,7 @@
     </p:spTree>
     <p:extLst>
       <p:ext uri="{BB962C8B-B14F-4D97-AF65-F5344CB8AC3E}">
-        <p14:creationId xmlns:p14="http://schemas.microsoft.com/office/powerpoint/2010/main" val="4022399268"/>
+        <p14:creationId xmlns:p14="http://schemas.microsoft.com/office/powerpoint/2010/main" val="161500458"/>
       </p:ext>
     </p:extLst>
   </p:cSld>
@@ -4312,87 +4380,10 @@
       </p:grpSpPr>
       <p:sp>
         <p:nvSpPr>
-          <p:cNvPr id="3" name="Espaço Reservado para Conteúdo 2"/>
-          <p:cNvSpPr>
-            <a:spLocks noGrp="1"/>
-          </p:cNvSpPr>
-          <p:nvPr>
-            <p:ph idx="1"/>
-          </p:nvPr>
-        </p:nvSpPr>
-        <p:spPr/>
-        <p:txBody>
-          <a:bodyPr/>
-          <a:lstStyle/>
-          <a:p>
-            <a:r>
-              <a:rPr lang="pt-BR" sz="1600" b="1" dirty="0"/>
-              <a:t>RF13</a:t>
-            </a:r>
-            <a:r>
-              <a:rPr lang="pt-BR" sz="1600" dirty="0"/>
-              <a:t> ​ -​ ​ O​ ​ sistema​ deve​ permitir que​ o​​ ​usuário ​negocie o​ ​ valor​ proposto; ​</a:t>
-            </a:r>
-          </a:p>
-          <a:p>
-            <a:pPr marL="0" indent="0">
-              <a:buNone/>
-            </a:pPr>
-            <a:r>
-              <a:rPr lang="pt-BR" sz="1600" dirty="0"/>
-              <a:t>Motivo: Após analisarmos novamente esse requisito notamos que poderia ficar confuso, e até mesmo frustrante para quem está contratando um serviço, pois poderia demorar para receber uma resposta do trabalhador.</a:t>
-            </a:r>
-            <a:endParaRPr lang="pt-BR" sz="1600" b="1" dirty="0"/>
-          </a:p>
-          <a:p>
-            <a:r>
-              <a:rPr lang="pt-BR" sz="1600" b="1" dirty="0"/>
-              <a:t>RF14</a:t>
-            </a:r>
-            <a:r>
-              <a:rPr lang="pt-BR" sz="1600" dirty="0"/>
-              <a:t> ​ -​ ​ ​O ​ sistema deve​ ​​permitir​ ​avaliação​ ​da ​​diarista​ ​após ​ ​o ​ ​serviço;</a:t>
-            </a:r>
-          </a:p>
-          <a:p>
-            <a:pPr marL="0" indent="0">
-              <a:buNone/>
-            </a:pPr>
-            <a:r>
-              <a:rPr lang="pt-BR" sz="1600" dirty="0"/>
-              <a:t>Motivo: Decidimos retirar essa funcionalidade pois não agregaria muito para o nosso projeto, apenas o atrasando.</a:t>
-            </a:r>
-          </a:p>
-          <a:p>
-            <a:r>
-              <a:rPr lang="pt-BR" sz="1600" b="1" dirty="0"/>
-              <a:t>RF15</a:t>
-            </a:r>
-            <a:r>
-              <a:rPr lang="pt-BR" sz="1600" dirty="0"/>
-              <a:t> ​ -​ ​ O​ ​ sistema​ ​ ​deve gerenciar​​ o​ pagamento​ ​entre​ o​​ usuário​ ​e​ ​a​ ​diarista;</a:t>
-            </a:r>
-          </a:p>
-          <a:p>
-            <a:pPr marL="0" indent="0">
-              <a:buNone/>
-            </a:pPr>
-            <a:r>
-              <a:rPr lang="pt-BR" sz="1600" dirty="0"/>
-              <a:t>Motivo: A criação de uma plataforma de pagamento online, e demorada e trabalhosa, e pode acabar gerando mais problemas, portanto decidimos que o pagamento será feito in loco, diretamente com a diarista.</a:t>
-            </a:r>
-          </a:p>
-          <a:p>
-            <a:endParaRPr lang="pt-BR" sz="1600" dirty="0"/>
-          </a:p>
-        </p:txBody>
-      </p:sp>
-      <p:sp>
-        <p:nvSpPr>
-          <p:cNvPr id="5" name="Título 4">
+          <p:cNvPr id="2" name="Título 1">
             <a:extLst>
               <a:ext uri="{FF2B5EF4-FFF2-40B4-BE49-F238E27FC236}">
-                <a16:creationId xmlns:a16="http://schemas.microsoft.com/office/drawing/2014/main" id="{174CC966-ABBB-4D0A-A13D-F4EA28A71503}"/>
+                <a16:creationId xmlns:a16="http://schemas.microsoft.com/office/drawing/2014/main" xmlns="" id="{28B8B80D-DF4C-4763-B3A1-6D2FD705727A}"/>
               </a:ext>
             </a:extLst>
           </p:cNvPr>
@@ -4412,10 +4403,60 @@
           </a:p>
         </p:txBody>
       </p:sp>
+      <p:sp>
+        <p:nvSpPr>
+          <p:cNvPr id="3" name="Espaço Reservado para Conteúdo 2">
+            <a:extLst>
+              <a:ext uri="{FF2B5EF4-FFF2-40B4-BE49-F238E27FC236}">
+                <a16:creationId xmlns:a16="http://schemas.microsoft.com/office/drawing/2014/main" xmlns="" id="{A10E79E9-EBB7-4FF6-A689-A12B433C6DCD}"/>
+              </a:ext>
+            </a:extLst>
+          </p:cNvPr>
+          <p:cNvSpPr>
+            <a:spLocks noGrp="1"/>
+          </p:cNvSpPr>
+          <p:nvPr>
+            <p:ph idx="1"/>
+          </p:nvPr>
+        </p:nvSpPr>
+        <p:spPr/>
+        <p:txBody>
+          <a:bodyPr/>
+          <a:lstStyle/>
+          <a:p>
+            <a:pPr algn="ctr"/>
+            <a:endParaRPr lang="en-US" sz="5400" dirty="0"/>
+          </a:p>
+          <a:p>
+            <a:pPr algn="ctr"/>
+            <a:r>
+              <a:rPr lang="en-US" sz="5400" dirty="0" smtClean="0"/>
+              <a:t>Como </a:t>
+            </a:r>
+            <a:r>
+              <a:rPr lang="en-US" sz="5400" dirty="0" err="1" smtClean="0"/>
+              <a:t>isso</a:t>
+            </a:r>
+            <a:r>
+              <a:rPr lang="en-US" sz="5400" dirty="0" smtClean="0"/>
+              <a:t> </a:t>
+            </a:r>
+            <a:r>
+              <a:rPr lang="en-US" sz="5400" dirty="0" err="1"/>
+              <a:t>funciona</a:t>
+            </a:r>
+            <a:r>
+              <a:rPr lang="en-US" sz="5400" dirty="0"/>
+              <a:t>?</a:t>
+            </a:r>
+            <a:endParaRPr lang="pt-BR" sz="5400" dirty="0"/>
+          </a:p>
+        </p:txBody>
+      </p:sp>
     </p:spTree>
     <p:extLst>
       <p:ext uri="{BB962C8B-B14F-4D97-AF65-F5344CB8AC3E}">
-        <p14:creationId xmlns:p14="http://schemas.microsoft.com/office/powerpoint/2010/main" val="161500458"/>
+        <p14:creationId xmlns:p14="http://schemas.microsoft.com/office/powerpoint/2010/main" val="216386268"/>
       </p:ext>
     </p:extLst>
   </p:cSld>

--- a/Docs/Projeto de software apresentação.pptx
+++ b/Docs/Projeto de software apresentação.pptx
@@ -10,9 +10,7 @@
     <p:sldId id="298" r:id="rId4"/>
     <p:sldId id="295" r:id="rId5"/>
     <p:sldId id="292" r:id="rId6"/>
-    <p:sldId id="293" r:id="rId7"/>
-    <p:sldId id="294" r:id="rId8"/>
-    <p:sldId id="296" r:id="rId9"/>
+    <p:sldId id="296" r:id="rId7"/>
   </p:sldIdLst>
   <p:sldSz cx="9144000" cy="6858000" type="screen4x3"/>
   <p:notesSz cx="6858000" cy="9144000"/>
@@ -3619,7 +3617,7 @@
           <p:cNvPr id="2" name="Título 1">
             <a:extLst>
               <a:ext uri="{FF2B5EF4-FFF2-40B4-BE49-F238E27FC236}">
-                <a16:creationId xmlns:a16="http://schemas.microsoft.com/office/drawing/2014/main" xmlns="" id="{3C234A29-E8FF-4491-8BFF-FFE25667FEAE}"/>
+                <a16:creationId xmlns="" xmlns:a16="http://schemas.microsoft.com/office/drawing/2014/main" id="{3C234A29-E8FF-4491-8BFF-FFE25667FEAE}"/>
               </a:ext>
             </a:extLst>
           </p:cNvPr>
@@ -3644,7 +3642,7 @@
           <p:cNvPr id="3" name="Espaço Reservado para Conteúdo 2">
             <a:extLst>
               <a:ext uri="{FF2B5EF4-FFF2-40B4-BE49-F238E27FC236}">
-                <a16:creationId xmlns:a16="http://schemas.microsoft.com/office/drawing/2014/main" xmlns="" id="{316AAE21-D976-4044-A0BE-4ABD8784A36A}"/>
+                <a16:creationId xmlns="" xmlns:a16="http://schemas.microsoft.com/office/drawing/2014/main" id="{316AAE21-D976-4044-A0BE-4ABD8784A36A}"/>
               </a:ext>
             </a:extLst>
           </p:cNvPr>
@@ -3726,7 +3724,7 @@
           <p:cNvPr id="2" name="Título 1">
             <a:extLst>
               <a:ext uri="{FF2B5EF4-FFF2-40B4-BE49-F238E27FC236}">
-                <a16:creationId xmlns:a16="http://schemas.microsoft.com/office/drawing/2014/main" xmlns="" id="{020F12F3-62A7-4613-87E6-4D7E1CCA9845}"/>
+                <a16:creationId xmlns="" xmlns:a16="http://schemas.microsoft.com/office/drawing/2014/main" id="{020F12F3-62A7-4613-87E6-4D7E1CCA9845}"/>
               </a:ext>
             </a:extLst>
           </p:cNvPr>
@@ -3751,7 +3749,7 @@
           <p:cNvPr id="3" name="Espaço Reservado para Conteúdo 2">
             <a:extLst>
               <a:ext uri="{FF2B5EF4-FFF2-40B4-BE49-F238E27FC236}">
-                <a16:creationId xmlns:a16="http://schemas.microsoft.com/office/drawing/2014/main" xmlns="" id="{3A3EA881-9E54-4F0A-B90A-4F97DBEF1799}"/>
+                <a16:creationId xmlns="" xmlns:a16="http://schemas.microsoft.com/office/drawing/2014/main" id="{3A3EA881-9E54-4F0A-B90A-4F97DBEF1799}"/>
               </a:ext>
             </a:extLst>
           </p:cNvPr>
@@ -3842,7 +3840,7 @@
           <p:cNvPr id="2" name="Título 1">
             <a:extLst>
               <a:ext uri="{FF2B5EF4-FFF2-40B4-BE49-F238E27FC236}">
-                <a16:creationId xmlns:a16="http://schemas.microsoft.com/office/drawing/2014/main" xmlns="" id="{CCDD6B45-CFAE-4913-B0AA-36BEEA039225}"/>
+                <a16:creationId xmlns="" xmlns:a16="http://schemas.microsoft.com/office/drawing/2014/main" id="{CCDD6B45-CFAE-4913-B0AA-36BEEA039225}"/>
               </a:ext>
             </a:extLst>
           </p:cNvPr>
@@ -3867,7 +3865,7 @@
           <p:cNvPr id="3" name="Espaço Reservado para Conteúdo 2">
             <a:extLst>
               <a:ext uri="{FF2B5EF4-FFF2-40B4-BE49-F238E27FC236}">
-                <a16:creationId xmlns:a16="http://schemas.microsoft.com/office/drawing/2014/main" xmlns="" id="{A4807060-8104-421E-80C6-1CCEF10C57AE}"/>
+                <a16:creationId xmlns="" xmlns:a16="http://schemas.microsoft.com/office/drawing/2014/main" id="{A4807060-8104-421E-80C6-1CCEF10C57AE}"/>
               </a:ext>
             </a:extLst>
           </p:cNvPr>
@@ -3970,8 +3968,13 @@
           <a:p>
             <a:r>
               <a:rPr lang="pt-BR" sz="3600" dirty="0"/>
-              <a:t>   Requisitos funcionais retirados</a:t>
-            </a:r>
+              <a:t>   Requisitos </a:t>
+            </a:r>
+            <a:r>
+              <a:rPr lang="pt-BR" sz="3600" dirty="0" smtClean="0"/>
+              <a:t>funcionais e não funcionais</a:t>
+            </a:r>
+            <a:endParaRPr lang="pt-BR" sz="3600" dirty="0"/>
           </a:p>
         </p:txBody>
       </p:sp>
@@ -3990,74 +3993,225 @@
           <a:bodyPr/>
           <a:lstStyle/>
           <a:p>
-            <a:r>
-              <a:rPr lang="pt-BR" sz="1600" b="1" dirty="0"/>
-              <a:t>RF04</a:t>
-            </a:r>
-            <a:r>
-              <a:rPr lang="pt-BR" sz="1600" dirty="0"/>
-              <a:t> -​ ​ O​ ​ sistema​ deve​​ permitir​​ ​refinar​ ​a​ pesquisa por​ relevância; ​</a:t>
-            </a:r>
-          </a:p>
-          <a:p>
-            <a:r>
-              <a:rPr lang="pt-BR" sz="1600" dirty="0"/>
-              <a:t>Motivo: Não temos conhecimento suficiente para a implantação desse requisito.</a:t>
-            </a:r>
-          </a:p>
-          <a:p>
-            <a:r>
-              <a:rPr lang="pt-BR" sz="1600" b="1" dirty="0"/>
-              <a:t>RF05</a:t>
-            </a:r>
-            <a:r>
-              <a:rPr lang="pt-BR" sz="1600" dirty="0"/>
-              <a:t> -​ ​ O​ ​ sistema​ ​deve​ ​permitir​ ​refinar​ ​a​ ​pesquisa​ por​​ ​preço;</a:t>
-            </a:r>
-          </a:p>
-          <a:p>
-            <a:r>
-              <a:rPr lang="pt-BR" sz="1600" dirty="0"/>
-              <a:t>Motivo: Não temos conhecimento suficiente para a implantação desse requisito.</a:t>
-            </a:r>
-          </a:p>
-          <a:p>
-            <a:r>
-              <a:rPr lang="pt-BR" sz="1600" b="1" dirty="0"/>
-              <a:t>RF06</a:t>
-            </a:r>
-            <a:r>
-              <a:rPr lang="pt-BR" sz="1600" dirty="0"/>
-              <a:t> ​ -​ ​ O​ ​ sistema​ deve​ ​permitir a​ ​​consulta​ ​de​ ​diaristas​ ​por ​​agenda;</a:t>
-            </a:r>
-          </a:p>
-          <a:p>
-            <a:r>
-              <a:rPr lang="pt-BR" sz="1600" dirty="0"/>
-              <a:t>Motivo: Não temos conhecimento suficiente para a implantação desse requisito.</a:t>
-            </a:r>
-          </a:p>
-          <a:p>
-            <a:r>
-              <a:rPr lang="pt-BR" sz="1600" b="1" dirty="0"/>
-              <a:t>RF07</a:t>
-            </a:r>
-            <a:r>
-              <a:rPr lang="pt-BR" sz="1600" dirty="0"/>
-              <a:t> ​ -​ ​ O​ ​ sistema deve​​ ​permitir o​ ​​gerenciamento​ ​da​ ​agenda​ ​da ​​diarista;</a:t>
-            </a:r>
-          </a:p>
-          <a:p>
-            <a:r>
-              <a:rPr lang="pt-BR" sz="1600" dirty="0"/>
-              <a:t>Motivo: A criação de uma agenda e muito trabalhosa, portanto decidimos deixar de lado esse requisito, e deixar por conta da própria diarista administrar seu horário.</a:t>
+            <a:endParaRPr lang="pt-BR" sz="1800" b="1" dirty="0" smtClean="0"/>
+          </a:p>
+          <a:p>
+            <a:r>
+              <a:rPr lang="pt-BR" sz="1800" b="1" dirty="0" smtClean="0"/>
+              <a:t>RF01</a:t>
+            </a:r>
+            <a:r>
+              <a:rPr lang="pt-BR" sz="1800" b="1" dirty="0"/>
+              <a:t>​</a:t>
+            </a:r>
+            <a:r>
+              <a:rPr lang="pt-BR" sz="1800" dirty="0"/>
+              <a:t> ​- ​ O​ ​ sistema</a:t>
+            </a:r>
+            <a:r>
+              <a:rPr lang="pt-BR" sz="1800" dirty="0" smtClean="0"/>
+              <a:t>​ </a:t>
+            </a:r>
+            <a:r>
+              <a:rPr lang="pt-BR" sz="1800" dirty="0"/>
+              <a:t>​ deve</a:t>
+            </a:r>
+            <a:r>
+              <a:rPr lang="pt-BR" sz="1800" dirty="0" smtClean="0"/>
+              <a:t>​​ </a:t>
+            </a:r>
+            <a:r>
+              <a:rPr lang="pt-BR" sz="1800" dirty="0"/>
+              <a:t>permitir​​ ​o​ cadastro​​ ​de​ ​usuários;</a:t>
+            </a:r>
+          </a:p>
+          <a:p>
+            <a:r>
+              <a:rPr lang="pt-BR" sz="1800" b="1" dirty="0"/>
+              <a:t>RF02</a:t>
+            </a:r>
+            <a:r>
+              <a:rPr lang="pt-BR" sz="1800" dirty="0"/>
+              <a:t> ​ -​ ​ O​ ​ sistema</a:t>
+            </a:r>
+            <a:r>
+              <a:rPr lang="pt-BR" sz="1800" dirty="0" smtClean="0"/>
+              <a:t>​ </a:t>
+            </a:r>
+            <a:r>
+              <a:rPr lang="pt-BR" sz="1800" dirty="0"/>
+              <a:t>​ deve</a:t>
+            </a:r>
+            <a:r>
+              <a:rPr lang="pt-BR" sz="1800" dirty="0" smtClean="0"/>
+              <a:t>​ </a:t>
+            </a:r>
+            <a:r>
+              <a:rPr lang="pt-BR" sz="1800" dirty="0"/>
+              <a:t>​ permitir</a:t>
+            </a:r>
+            <a:r>
+              <a:rPr lang="pt-BR" sz="1800" dirty="0" smtClean="0"/>
+              <a:t>​​ </a:t>
+            </a:r>
+            <a:r>
+              <a:rPr lang="pt-BR" sz="1800" dirty="0"/>
+              <a:t>​o​ cadastro</a:t>
+            </a:r>
+            <a:r>
+              <a:rPr lang="pt-BR" sz="1800" dirty="0" smtClean="0"/>
+              <a:t>​​ </a:t>
+            </a:r>
+            <a:r>
+              <a:rPr lang="pt-BR" sz="1800" dirty="0"/>
+              <a:t>​de​ ​diaristas;</a:t>
+            </a:r>
+          </a:p>
+          <a:p>
+            <a:r>
+              <a:rPr lang="pt-BR" sz="1800" b="1" dirty="0"/>
+              <a:t>RF03</a:t>
+            </a:r>
+            <a:r>
+              <a:rPr lang="pt-BR" sz="1800" dirty="0"/>
+              <a:t> ​ -​ ​ O​ ​ sistema</a:t>
+            </a:r>
+            <a:r>
+              <a:rPr lang="pt-BR" sz="1800" dirty="0" smtClean="0"/>
+              <a:t>​ </a:t>
+            </a:r>
+            <a:r>
+              <a:rPr lang="pt-BR" sz="1800" dirty="0"/>
+              <a:t>​ deve</a:t>
+            </a:r>
+            <a:r>
+              <a:rPr lang="pt-BR" sz="1800" dirty="0" smtClean="0"/>
+              <a:t>​ </a:t>
+            </a:r>
+            <a:r>
+              <a:rPr lang="pt-BR" sz="1800" dirty="0"/>
+              <a:t>​ ​</a:t>
+            </a:r>
+            <a:r>
+              <a:rPr lang="pt-BR" sz="1800" dirty="0" smtClean="0"/>
+              <a:t>permitir </a:t>
+            </a:r>
+            <a:r>
+              <a:rPr lang="pt-BR" sz="1800" dirty="0"/>
+              <a:t>a​ ​ consulta</a:t>
+            </a:r>
+            <a:r>
+              <a:rPr lang="pt-BR" sz="1800" dirty="0" smtClean="0"/>
+              <a:t>​ </a:t>
+            </a:r>
+            <a:r>
+              <a:rPr lang="pt-BR" sz="1800" dirty="0"/>
+              <a:t>​de​ ​diaristas​ ​por​ região; ​</a:t>
+            </a:r>
+          </a:p>
+          <a:p>
+            <a:r>
+              <a:rPr lang="pt-BR" sz="1800" b="1" dirty="0" smtClean="0"/>
+              <a:t>RF08</a:t>
+            </a:r>
+            <a:r>
+              <a:rPr lang="pt-BR" sz="1800" dirty="0" smtClean="0"/>
+              <a:t> </a:t>
+            </a:r>
+            <a:r>
+              <a:rPr lang="pt-BR" sz="1800" dirty="0"/>
+              <a:t>​ -​ ​ O​ ​ sistema</a:t>
+            </a:r>
+            <a:r>
+              <a:rPr lang="pt-BR" sz="1800" dirty="0" smtClean="0"/>
+              <a:t>​ </a:t>
+            </a:r>
+            <a:r>
+              <a:rPr lang="pt-BR" sz="1800" dirty="0"/>
+              <a:t>deve</a:t>
+            </a:r>
+            <a:r>
+              <a:rPr lang="pt-BR" sz="1800" dirty="0" smtClean="0"/>
+              <a:t>​​ </a:t>
+            </a:r>
+            <a:r>
+              <a:rPr lang="pt-BR" sz="1800" dirty="0"/>
+              <a:t>​permitir​ ​a​ ​diarista​ ​cadastrar​ ​os​ serviços​​ ​prestados;</a:t>
+            </a:r>
+          </a:p>
+          <a:p>
+            <a:r>
+              <a:rPr lang="pt-BR" sz="1800" b="1" dirty="0" smtClean="0"/>
+              <a:t>RF12</a:t>
+            </a:r>
+            <a:r>
+              <a:rPr lang="pt-BR" sz="1800" dirty="0" smtClean="0"/>
+              <a:t> </a:t>
+            </a:r>
+            <a:r>
+              <a:rPr lang="pt-BR" sz="1800" dirty="0"/>
+              <a:t>​ -​ ​ O​ ​ sistema</a:t>
+            </a:r>
+            <a:r>
+              <a:rPr lang="pt-BR" sz="1800" dirty="0" smtClean="0"/>
+              <a:t>​​ </a:t>
+            </a:r>
+            <a:r>
+              <a:rPr lang="pt-BR" sz="1800" dirty="0"/>
+              <a:t>deve 	permitir​​ ​a ​ diarista</a:t>
+            </a:r>
+            <a:r>
+              <a:rPr lang="pt-BR" sz="1800" dirty="0" smtClean="0"/>
+              <a:t>​​ </a:t>
+            </a:r>
+            <a:r>
+              <a:rPr lang="pt-BR" sz="1800" dirty="0"/>
+              <a:t>definir</a:t>
+            </a:r>
+            <a:r>
+              <a:rPr lang="pt-BR" sz="1800" dirty="0" smtClean="0"/>
+              <a:t>​​ </a:t>
+            </a:r>
+            <a:r>
+              <a:rPr lang="pt-BR" sz="1800" dirty="0"/>
+              <a:t>o​ ​ ​preço​ ​pelo​ ​serviço​ ​solicitado;</a:t>
             </a:r>
           </a:p>
           <a:p>
             <a:pPr marL="0" indent="0">
               <a:buNone/>
             </a:pPr>
-            <a:endParaRPr lang="pt-BR" sz="1600" dirty="0"/>
+            <a:endParaRPr lang="pt-BR" sz="1800" dirty="0"/>
+          </a:p>
+          <a:p>
+            <a:r>
+              <a:rPr lang="pt-BR" sz="1800" b="1" dirty="0"/>
+              <a:t>RFN01</a:t>
+            </a:r>
+            <a:r>
+              <a:rPr lang="pt-BR" sz="1800" dirty="0"/>
+              <a:t> - O sistema deve ser web;</a:t>
+            </a:r>
+          </a:p>
+          <a:p>
+            <a:r>
+              <a:rPr lang="pt-BR" sz="1800" b="1" dirty="0"/>
+              <a:t>RFN02</a:t>
+            </a:r>
+            <a:r>
+              <a:rPr lang="pt-BR" sz="1800" dirty="0"/>
+              <a:t> - As consultas de diaristas devem levar no máximo 5 segundos;</a:t>
+            </a:r>
+          </a:p>
+          <a:p>
+            <a:r>
+              <a:rPr lang="pt-BR" sz="1800" b="1" dirty="0"/>
+              <a:t>RFN03</a:t>
+            </a:r>
+            <a:r>
+              <a:rPr lang="pt-BR" sz="1800" dirty="0"/>
+              <a:t> - O sistema deve estar disponível 99% ano.</a:t>
+            </a:r>
           </a:p>
         </p:txBody>
       </p:sp>
@@ -4093,110 +4247,10 @@
       </p:grpSpPr>
       <p:sp>
         <p:nvSpPr>
-          <p:cNvPr id="3" name="Espaço Reservado para Conteúdo 2"/>
-          <p:cNvSpPr>
-            <a:spLocks noGrp="1"/>
-          </p:cNvSpPr>
-          <p:nvPr>
-            <p:ph idx="1"/>
-          </p:nvPr>
-        </p:nvSpPr>
-        <p:spPr/>
-        <p:txBody>
-          <a:bodyPr/>
-          <a:lstStyle/>
-          <a:p>
-            <a:r>
-              <a:rPr lang="pt-BR" sz="1600" b="1" dirty="0"/>
-              <a:t>RF09</a:t>
-            </a:r>
-            <a:r>
-              <a:rPr lang="pt-BR" sz="1600" dirty="0"/>
-              <a:t> ​ -​ ​ O​ ​ sistema​ deve​ permitir ​​o​ ​usuário ​selecionar a​​ diarista; ​</a:t>
-            </a:r>
-          </a:p>
-          <a:p>
-            <a:pPr marL="0" indent="0">
-              <a:buNone/>
-            </a:pPr>
-            <a:r>
-              <a:rPr lang="pt-BR" sz="1600" dirty="0"/>
-              <a:t>Motivo: Decidimos modificar, a principal proposta da nossa aplicação, de início ela serviria para contração de diaristas, porém, agora ela serve para facilitar a busca de diaristas, portanto, não vimos necessidade da implantação desse requisito.</a:t>
-            </a:r>
-          </a:p>
-          <a:p>
-            <a:r>
-              <a:rPr lang="pt-BR" sz="1600" b="1" dirty="0"/>
-              <a:t>RF10</a:t>
-            </a:r>
-            <a:r>
-              <a:rPr lang="pt-BR" sz="1600" dirty="0"/>
-              <a:t>​ -​ ​ ​O​ ​sistema​ ​deve​ ​permitir​ o​ ​​usuário​ ​descrever​ ​o​ ​serviço ​​solicitado;</a:t>
-            </a:r>
-          </a:p>
-          <a:p>
-            <a:pPr marL="0" indent="0">
-              <a:buNone/>
-            </a:pPr>
-            <a:r>
-              <a:rPr lang="pt-BR" sz="1600" dirty="0"/>
-              <a:t>Motivo: a explicação do motivo desse requisito e igual ao de número 09.</a:t>
-            </a:r>
-          </a:p>
-          <a:p>
-            <a:r>
-              <a:rPr lang="pt-BR" sz="1600" b="1" dirty="0"/>
-              <a:t>RF11</a:t>
-            </a:r>
-            <a:r>
-              <a:rPr lang="pt-BR" sz="1600" dirty="0"/>
-              <a:t>​ ​-​ ​O​ ​sistema​ ​deve​ ​permitir​ ​a​ ​diarista​ ​aprovar​ ​ou​ não​	 ​ ​o​ serviço​	 ​ ​solicitado;</a:t>
-            </a:r>
-          </a:p>
-          <a:p>
-            <a:pPr marL="0" indent="0">
-              <a:buNone/>
-            </a:pPr>
-            <a:r>
-              <a:rPr lang="en-US" sz="1600" dirty="0"/>
-              <a:t>M</a:t>
-            </a:r>
-            <a:r>
-              <a:rPr lang="pt-BR" sz="1600" dirty="0" err="1"/>
-              <a:t>otivo</a:t>
-            </a:r>
-            <a:r>
-              <a:rPr lang="pt-BR" sz="1600" dirty="0"/>
-              <a:t>: a explicação do motivo desse requisito e igual ao de número 09.</a:t>
-            </a:r>
-          </a:p>
-          <a:p>
-            <a:r>
-              <a:rPr lang="pt-BR" sz="1600" b="1" dirty="0"/>
-              <a:t>RF13</a:t>
-            </a:r>
-            <a:r>
-              <a:rPr lang="pt-BR" sz="1600" dirty="0"/>
-              <a:t> ​ -​ ​ O​ ​ sistema​​ deve​​ ​permitir que o​​ ​usuário ​negocie o​ ​ valor​ proposto; ​</a:t>
-            </a:r>
-          </a:p>
-          <a:p>
-            <a:pPr marL="0" indent="0">
-              <a:buNone/>
-            </a:pPr>
-            <a:r>
-              <a:rPr lang="pt-BR" sz="1600" dirty="0"/>
-              <a:t>Motivo: Após analisarmos novamente esse requisito notamos que poderia ficar confuso, e até mesmo frustrante para quem está contratando um serviço, pois poderia demorar para receber uma resposta do trabalhador.</a:t>
-            </a:r>
-          </a:p>
-        </p:txBody>
-      </p:sp>
-      <p:sp>
-        <p:nvSpPr>
-          <p:cNvPr id="5" name="Título 4">
+          <p:cNvPr id="2" name="Título 1">
             <a:extLst>
               <a:ext uri="{FF2B5EF4-FFF2-40B4-BE49-F238E27FC236}">
-                <a16:creationId xmlns:a16="http://schemas.microsoft.com/office/drawing/2014/main" xmlns="" id="{33C8FABA-5E42-46D1-B3B0-687B4208906A}"/>
+                <a16:creationId xmlns="" xmlns:a16="http://schemas.microsoft.com/office/drawing/2014/main" id="{28B8B80D-DF4C-4763-B3A1-6D2FD705727A}"/>
               </a:ext>
             </a:extLst>
           </p:cNvPr>
@@ -4216,199 +4270,12 @@
           </a:p>
         </p:txBody>
       </p:sp>
-    </p:spTree>
-    <p:extLst>
-      <p:ext uri="{BB962C8B-B14F-4D97-AF65-F5344CB8AC3E}">
-        <p14:creationId xmlns:p14="http://schemas.microsoft.com/office/powerpoint/2010/main" val="4022399268"/>
-      </p:ext>
-    </p:extLst>
-  </p:cSld>
-  <p:clrMapOvr>
-    <a:masterClrMapping/>
-  </p:clrMapOvr>
-</p:sld>
-</file>
-
-<file path=ppt/slides/slide7.xml><?xml version="1.0" encoding="utf-8"?>
-<p:sld xmlns:a="http://schemas.openxmlformats.org/drawingml/2006/main" xmlns:r="http://schemas.openxmlformats.org/officeDocument/2006/relationships" xmlns:p="http://schemas.openxmlformats.org/presentationml/2006/main">
-  <p:cSld>
-    <p:spTree>
-      <p:nvGrpSpPr>
-        <p:cNvPr id="1" name=""/>
-        <p:cNvGrpSpPr/>
-        <p:nvPr/>
-      </p:nvGrpSpPr>
-      <p:grpSpPr>
-        <a:xfrm>
-          <a:off x="0" y="0"/>
-          <a:ext cx="0" cy="0"/>
-          <a:chOff x="0" y="0"/>
-          <a:chExt cx="0" cy="0"/>
-        </a:xfrm>
-      </p:grpSpPr>
-      <p:sp>
-        <p:nvSpPr>
-          <p:cNvPr id="3" name="Espaço Reservado para Conteúdo 2"/>
-          <p:cNvSpPr>
-            <a:spLocks noGrp="1"/>
-          </p:cNvSpPr>
-          <p:nvPr>
-            <p:ph idx="1"/>
-          </p:nvPr>
-        </p:nvSpPr>
-        <p:spPr/>
-        <p:txBody>
-          <a:bodyPr/>
-          <a:lstStyle/>
-          <a:p>
-            <a:r>
-              <a:rPr lang="pt-BR" sz="1600" b="1" dirty="0"/>
-              <a:t>RF13</a:t>
-            </a:r>
-            <a:r>
-              <a:rPr lang="pt-BR" sz="1600" dirty="0"/>
-              <a:t> ​ -​ ​ O​ ​ sistema​ deve​ permitir que​ o​​ ​usuário ​negocie o​ ​ valor​ proposto; ​</a:t>
-            </a:r>
-          </a:p>
-          <a:p>
-            <a:pPr marL="0" indent="0">
-              <a:buNone/>
-            </a:pPr>
-            <a:r>
-              <a:rPr lang="pt-BR" sz="1600" dirty="0"/>
-              <a:t>Motivo: Após analisarmos novamente esse requisito notamos que poderia ficar confuso, e até mesmo frustrante para quem está contratando um serviço, pois poderia demorar para receber uma resposta do trabalhador.</a:t>
-            </a:r>
-            <a:endParaRPr lang="pt-BR" sz="1600" b="1" dirty="0"/>
-          </a:p>
-          <a:p>
-            <a:r>
-              <a:rPr lang="pt-BR" sz="1600" b="1" dirty="0"/>
-              <a:t>RF14</a:t>
-            </a:r>
-            <a:r>
-              <a:rPr lang="pt-BR" sz="1600" dirty="0"/>
-              <a:t> ​ -​ ​ ​O ​ sistema deve​ ​​permitir​ ​avaliação​ ​da ​​diarista​ ​após ​ ​o ​ ​serviço;</a:t>
-            </a:r>
-          </a:p>
-          <a:p>
-            <a:pPr marL="0" indent="0">
-              <a:buNone/>
-            </a:pPr>
-            <a:r>
-              <a:rPr lang="pt-BR" sz="1600" dirty="0"/>
-              <a:t>Motivo: Decidimos retirar essa funcionalidade pois não agregaria muito para o nosso projeto, apenas o atrasando.</a:t>
-            </a:r>
-          </a:p>
-          <a:p>
-            <a:r>
-              <a:rPr lang="pt-BR" sz="1600" b="1" dirty="0"/>
-              <a:t>RF15</a:t>
-            </a:r>
-            <a:r>
-              <a:rPr lang="pt-BR" sz="1600" dirty="0"/>
-              <a:t> ​ -​ ​ O​ ​ sistema​ ​ ​deve gerenciar​​ o​ pagamento​ ​entre​ o​​ usuário​ ​e​ ​a​ ​diarista;</a:t>
-            </a:r>
-          </a:p>
-          <a:p>
-            <a:pPr marL="0" indent="0">
-              <a:buNone/>
-            </a:pPr>
-            <a:r>
-              <a:rPr lang="pt-BR" sz="1600" dirty="0"/>
-              <a:t>Motivo: A criação de uma plataforma de pagamento online, e demorada e trabalhosa, e pode acabar gerando mais problemas, portanto decidimos que o pagamento será feito in loco, diretamente com a diarista.</a:t>
-            </a:r>
-          </a:p>
-          <a:p>
-            <a:endParaRPr lang="pt-BR" sz="1600" dirty="0"/>
-          </a:p>
-        </p:txBody>
-      </p:sp>
-      <p:sp>
-        <p:nvSpPr>
-          <p:cNvPr id="5" name="Título 4">
-            <a:extLst>
-              <a:ext uri="{FF2B5EF4-FFF2-40B4-BE49-F238E27FC236}">
-                <a16:creationId xmlns:a16="http://schemas.microsoft.com/office/drawing/2014/main" xmlns="" id="{174CC966-ABBB-4D0A-A13D-F4EA28A71503}"/>
-              </a:ext>
-            </a:extLst>
-          </p:cNvPr>
-          <p:cNvSpPr>
-            <a:spLocks noGrp="1"/>
-          </p:cNvSpPr>
-          <p:nvPr>
-            <p:ph type="title"/>
-          </p:nvPr>
-        </p:nvSpPr>
-        <p:spPr/>
-        <p:txBody>
-          <a:bodyPr/>
-          <a:lstStyle/>
-          <a:p>
-            <a:endParaRPr lang="pt-BR"/>
-          </a:p>
-        </p:txBody>
-      </p:sp>
-    </p:spTree>
-    <p:extLst>
-      <p:ext uri="{BB962C8B-B14F-4D97-AF65-F5344CB8AC3E}">
-        <p14:creationId xmlns:p14="http://schemas.microsoft.com/office/powerpoint/2010/main" val="161500458"/>
-      </p:ext>
-    </p:extLst>
-  </p:cSld>
-  <p:clrMapOvr>
-    <a:masterClrMapping/>
-  </p:clrMapOvr>
-</p:sld>
-</file>
-
-<file path=ppt/slides/slide8.xml><?xml version="1.0" encoding="utf-8"?>
-<p:sld xmlns:a="http://schemas.openxmlformats.org/drawingml/2006/main" xmlns:r="http://schemas.openxmlformats.org/officeDocument/2006/relationships" xmlns:p="http://schemas.openxmlformats.org/presentationml/2006/main">
-  <p:cSld>
-    <p:spTree>
-      <p:nvGrpSpPr>
-        <p:cNvPr id="1" name=""/>
-        <p:cNvGrpSpPr/>
-        <p:nvPr/>
-      </p:nvGrpSpPr>
-      <p:grpSpPr>
-        <a:xfrm>
-          <a:off x="0" y="0"/>
-          <a:ext cx="0" cy="0"/>
-          <a:chOff x="0" y="0"/>
-          <a:chExt cx="0" cy="0"/>
-        </a:xfrm>
-      </p:grpSpPr>
-      <p:sp>
-        <p:nvSpPr>
-          <p:cNvPr id="2" name="Título 1">
-            <a:extLst>
-              <a:ext uri="{FF2B5EF4-FFF2-40B4-BE49-F238E27FC236}">
-                <a16:creationId xmlns:a16="http://schemas.microsoft.com/office/drawing/2014/main" xmlns="" id="{28B8B80D-DF4C-4763-B3A1-6D2FD705727A}"/>
-              </a:ext>
-            </a:extLst>
-          </p:cNvPr>
-          <p:cNvSpPr>
-            <a:spLocks noGrp="1"/>
-          </p:cNvSpPr>
-          <p:nvPr>
-            <p:ph type="title"/>
-          </p:nvPr>
-        </p:nvSpPr>
-        <p:spPr/>
-        <p:txBody>
-          <a:bodyPr/>
-          <a:lstStyle/>
-          <a:p>
-            <a:endParaRPr lang="pt-BR"/>
-          </a:p>
-        </p:txBody>
-      </p:sp>
       <p:sp>
         <p:nvSpPr>
           <p:cNvPr id="3" name="Espaço Reservado para Conteúdo 2">
             <a:extLst>
               <a:ext uri="{FF2B5EF4-FFF2-40B4-BE49-F238E27FC236}">
-                <a16:creationId xmlns:a16="http://schemas.microsoft.com/office/drawing/2014/main" xmlns="" id="{A10E79E9-EBB7-4FF6-A689-A12B433C6DCD}"/>
+                <a16:creationId xmlns="" xmlns:a16="http://schemas.microsoft.com/office/drawing/2014/main" id="{A10E79E9-EBB7-4FF6-A689-A12B433C6DCD}"/>
               </a:ext>
             </a:extLst>
           </p:cNvPr>
